--- a/Presentation/BooleanParserinF#.pptx
+++ b/Presentation/BooleanParserinF#.pptx
@@ -5,7 +5,7 @@
     <p:sldMasterId id="2147483648" r:id="rId1"/>
   </p:sldMasterIdLst>
   <p:notesMasterIdLst>
-    <p:notesMasterId r:id="rId10"/>
+    <p:notesMasterId r:id="rId13"/>
   </p:notesMasterIdLst>
   <p:sldIdLst>
     <p:sldId id="256" r:id="rId2"/>
@@ -16,6 +16,9 @@
     <p:sldId id="262" r:id="rId7"/>
     <p:sldId id="261" r:id="rId8"/>
     <p:sldId id="263" r:id="rId9"/>
+    <p:sldId id="264" r:id="rId10"/>
+    <p:sldId id="265" r:id="rId11"/>
+    <p:sldId id="266" r:id="rId12"/>
   </p:sldIdLst>
   <p:sldSz cx="12192000" cy="6858000"/>
   <p:notesSz cx="6858000" cy="9144000"/>
@@ -204,7 +207,7 @@
           <a:p>
             <a:fld id="{B5F7F72C-93B1-4C30-A431-7AF314232D3E}" type="datetimeFigureOut">
               <a:rPr lang="en-GB" smtClean="0"/>
-              <a:t>28/12/2019</a:t>
+              <a:t>29/12/2019</a:t>
             </a:fld>
             <a:endParaRPr lang="en-GB"/>
           </a:p>
@@ -827,11 +830,68 @@
             </a:r>
             <a:r>
               <a:rPr lang="de-DE" dirty="0"/>
-              <a:t>. Nicht wie bei Go</a:t>
+              <a:t>. </a:t>
             </a:r>
           </a:p>
           <a:p>
             <a:endParaRPr lang="de-DE" dirty="0"/>
+          </a:p>
+          <a:p>
+            <a:r>
+              <a:rPr lang="en-GB" dirty="0"/>
+              <a:t>Bind functions to identifiers</a:t>
+            </a:r>
+          </a:p>
+          <a:p>
+            <a:r>
+              <a:rPr lang="en-GB" dirty="0"/>
+              <a:t>Store functions in data structures like lists</a:t>
+            </a:r>
+          </a:p>
+          <a:p>
+            <a:r>
+              <a:rPr lang="en-GB" dirty="0"/>
+              <a:t>Pass functions as arguments in another function call</a:t>
+            </a:r>
+          </a:p>
+          <a:p>
+            <a:r>
+              <a:rPr lang="en-GB" dirty="0"/>
+              <a:t>Return a function from a function call</a:t>
+            </a:r>
+          </a:p>
+          <a:p>
+            <a:endParaRPr lang="de-DE" dirty="0"/>
+          </a:p>
+          <a:p>
+            <a:r>
+              <a:rPr lang="de-DE" dirty="0"/>
+              <a:t>F# type </a:t>
+            </a:r>
+            <a:r>
+              <a:rPr lang="de-DE" dirty="0" err="1"/>
+              <a:t>system</a:t>
+            </a:r>
+            <a:r>
+              <a:rPr lang="de-DE" dirty="0"/>
+              <a:t> ersetzt </a:t>
+            </a:r>
+            <a:r>
+              <a:rPr lang="de-DE" dirty="0" err="1"/>
+              <a:t>polymorphismus</a:t>
+            </a:r>
+            <a:r>
+              <a:rPr lang="de-DE" dirty="0"/>
+              <a:t> und </a:t>
+            </a:r>
+            <a:r>
+              <a:rPr lang="de-DE" dirty="0" err="1"/>
+              <a:t>kapselung</a:t>
+            </a:r>
+            <a:r>
+              <a:rPr lang="de-DE" dirty="0"/>
+              <a:t>. Typisch für funktionale Programmiersprachen</a:t>
+            </a:r>
           </a:p>
           <a:p>
             <a:endParaRPr lang="de-DE" dirty="0"/>
@@ -1120,6 +1180,442 @@
     <p:extLst>
       <p:ext uri="{BB962C8B-B14F-4D97-AF65-F5344CB8AC3E}">
         <p14:creationId xmlns:p14="http://schemas.microsoft.com/office/powerpoint/2010/main" val="645901459"/>
+      </p:ext>
+    </p:extLst>
+  </p:cSld>
+  <p:clrMapOvr>
+    <a:masterClrMapping/>
+  </p:clrMapOvr>
+</p:notes>
+</file>
+
+<file path=ppt/notesSlides/notesSlide7.xml><?xml version="1.0" encoding="utf-8"?>
+<p:notes xmlns:a="http://schemas.openxmlformats.org/drawingml/2006/main" xmlns:r="http://schemas.openxmlformats.org/officeDocument/2006/relationships" xmlns:p="http://schemas.openxmlformats.org/presentationml/2006/main">
+  <p:cSld>
+    <p:spTree>
+      <p:nvGrpSpPr>
+        <p:cNvPr id="1" name=""/>
+        <p:cNvGrpSpPr/>
+        <p:nvPr/>
+      </p:nvGrpSpPr>
+      <p:grpSpPr>
+        <a:xfrm>
+          <a:off x="0" y="0"/>
+          <a:ext cx="0" cy="0"/>
+          <a:chOff x="0" y="0"/>
+          <a:chExt cx="0" cy="0"/>
+        </a:xfrm>
+      </p:grpSpPr>
+      <p:sp>
+        <p:nvSpPr>
+          <p:cNvPr id="2" name="Folienbildplatzhalter 1"/>
+          <p:cNvSpPr>
+            <a:spLocks noGrp="1" noRot="1" noChangeAspect="1"/>
+          </p:cNvSpPr>
+          <p:nvPr>
+            <p:ph type="sldImg"/>
+          </p:nvPr>
+        </p:nvSpPr>
+        <p:spPr/>
+      </p:sp>
+      <p:sp>
+        <p:nvSpPr>
+          <p:cNvPr id="3" name="Notizenplatzhalter 2"/>
+          <p:cNvSpPr>
+            <a:spLocks noGrp="1"/>
+          </p:cNvSpPr>
+          <p:nvPr>
+            <p:ph type="body" idx="1"/>
+          </p:nvPr>
+        </p:nvSpPr>
+        <p:spPr/>
+        <p:txBody>
+          <a:bodyPr/>
+          <a:lstStyle/>
+          <a:p>
+            <a:r>
+              <a:rPr lang="de-DE" dirty="0"/>
+              <a:t>-   Type </a:t>
+            </a:r>
+            <a:r>
+              <a:rPr lang="de-DE" dirty="0" err="1"/>
+              <a:t>inference</a:t>
+            </a:r>
+            <a:r>
+              <a:rPr lang="de-DE" dirty="0"/>
+              <a:t> ist unterschiedlich. In </a:t>
+            </a:r>
+            <a:r>
+              <a:rPr lang="de-DE" dirty="0" err="1"/>
+              <a:t>go</a:t>
+            </a:r>
+            <a:r>
+              <a:rPr lang="de-DE" dirty="0"/>
+              <a:t> nur bei Variablen möglich. In F# auch bei Funktionen</a:t>
+            </a:r>
+          </a:p>
+          <a:p>
+            <a:pPr marL="171450" indent="-171450">
+              <a:buFontTx/>
+              <a:buChar char="-"/>
+            </a:pPr>
+            <a:r>
+              <a:rPr lang="en-GB" dirty="0"/>
+              <a:t>Immutability </a:t>
+            </a:r>
+            <a:r>
+              <a:rPr lang="en-GB" dirty="0" err="1"/>
+              <a:t>ist</a:t>
+            </a:r>
+            <a:r>
+              <a:rPr lang="en-GB" dirty="0"/>
+              <a:t> </a:t>
+            </a:r>
+            <a:r>
+              <a:rPr lang="en-GB" dirty="0" err="1"/>
+              <a:t>ähnlich</a:t>
+            </a:r>
+            <a:r>
+              <a:rPr lang="en-GB" dirty="0"/>
+              <a:t>. In Go </a:t>
+            </a:r>
+            <a:r>
+              <a:rPr lang="en-GB" dirty="0" err="1"/>
+              <a:t>wird</a:t>
+            </a:r>
+            <a:r>
+              <a:rPr lang="en-GB" dirty="0"/>
+              <a:t> </a:t>
+            </a:r>
+            <a:r>
+              <a:rPr lang="en-GB" dirty="0" err="1"/>
+              <a:t>ein</a:t>
+            </a:r>
+            <a:r>
+              <a:rPr lang="en-GB" dirty="0"/>
+              <a:t> </a:t>
+            </a:r>
+            <a:r>
+              <a:rPr lang="en-GB" dirty="0" err="1"/>
+              <a:t>funktionsrauf</a:t>
+            </a:r>
+            <a:r>
+              <a:rPr lang="en-GB" dirty="0"/>
+              <a:t> </a:t>
+            </a:r>
+            <a:r>
+              <a:rPr lang="en-GB" dirty="0" err="1"/>
+              <a:t>immer</a:t>
+            </a:r>
+            <a:r>
+              <a:rPr lang="en-GB" dirty="0"/>
+              <a:t> </a:t>
+            </a:r>
+            <a:r>
+              <a:rPr lang="en-GB" dirty="0" err="1"/>
+              <a:t>bei</a:t>
+            </a:r>
+            <a:r>
+              <a:rPr lang="en-GB" dirty="0"/>
+              <a:t> value </a:t>
+            </a:r>
+            <a:r>
+              <a:rPr lang="en-GB" dirty="0" err="1"/>
+              <a:t>ausgeführt</a:t>
+            </a:r>
+            <a:r>
+              <a:rPr lang="en-GB" dirty="0"/>
+              <a:t>, </a:t>
+            </a:r>
+            <a:r>
+              <a:rPr lang="en-GB" dirty="0" err="1"/>
+              <a:t>ist</a:t>
+            </a:r>
+            <a:r>
+              <a:rPr lang="en-GB" dirty="0"/>
+              <a:t> </a:t>
+            </a:r>
+            <a:r>
+              <a:rPr lang="en-GB" dirty="0" err="1"/>
+              <a:t>aber</a:t>
+            </a:r>
+            <a:r>
+              <a:rPr lang="en-GB" dirty="0"/>
+              <a:t> </a:t>
+            </a:r>
+            <a:r>
+              <a:rPr lang="en-GB" dirty="0" err="1"/>
+              <a:t>nicht</a:t>
+            </a:r>
+            <a:r>
+              <a:rPr lang="en-GB" dirty="0"/>
+              <a:t> so </a:t>
+            </a:r>
+            <a:r>
+              <a:rPr lang="en-GB" dirty="0" err="1"/>
+              <a:t>verstärkt</a:t>
+            </a:r>
+            <a:r>
+              <a:rPr lang="en-GB" dirty="0"/>
+              <a:t> </a:t>
+            </a:r>
+            <a:r>
+              <a:rPr lang="en-GB" dirty="0" err="1"/>
+              <a:t>wie</a:t>
+            </a:r>
+            <a:r>
+              <a:rPr lang="en-GB" dirty="0"/>
+              <a:t> in </a:t>
+            </a:r>
+            <a:r>
+              <a:rPr lang="en-GB" dirty="0" err="1"/>
+              <a:t>Fsharp</a:t>
+            </a:r>
+            <a:endParaRPr lang="en-GB" dirty="0"/>
+          </a:p>
+          <a:p>
+            <a:pPr marL="171450" indent="-171450">
+              <a:buFontTx/>
+              <a:buChar char="-"/>
+            </a:pPr>
+            <a:r>
+              <a:rPr lang="en-GB" dirty="0"/>
+              <a:t>First Class functions </a:t>
+            </a:r>
+            <a:r>
+              <a:rPr lang="en-GB" dirty="0" err="1"/>
+              <a:t>gleich</a:t>
+            </a:r>
+            <a:endParaRPr lang="en-GB" dirty="0"/>
+          </a:p>
+          <a:p>
+            <a:pPr marL="171450" indent="-171450">
+              <a:buFontTx/>
+              <a:buChar char="-"/>
+            </a:pPr>
+            <a:r>
+              <a:rPr lang="en-GB" dirty="0"/>
+              <a:t>Types </a:t>
+            </a:r>
+            <a:r>
+              <a:rPr lang="en-GB" dirty="0" err="1"/>
+              <a:t>ähnlich</a:t>
+            </a:r>
+            <a:r>
+              <a:rPr lang="en-GB" dirty="0"/>
+              <a:t>, </a:t>
+            </a:r>
+            <a:r>
+              <a:rPr lang="en-GB" dirty="0" err="1"/>
+              <a:t>jedoch</a:t>
+            </a:r>
+            <a:r>
+              <a:rPr lang="en-GB" dirty="0"/>
+              <a:t> </a:t>
+            </a:r>
+            <a:r>
+              <a:rPr lang="en-GB" dirty="0" err="1"/>
+              <a:t>kein</a:t>
+            </a:r>
+            <a:r>
+              <a:rPr lang="en-GB" dirty="0"/>
+              <a:t> match with </a:t>
+            </a:r>
+            <a:r>
+              <a:rPr lang="en-GB" dirty="0" err="1"/>
+              <a:t>Konstrukt</a:t>
+            </a:r>
+            <a:endParaRPr lang="en-GB" dirty="0"/>
+          </a:p>
+          <a:p>
+            <a:pPr marL="171450" indent="-171450">
+              <a:buFontTx/>
+              <a:buChar char="-"/>
+            </a:pPr>
+            <a:r>
+              <a:rPr lang="en-GB" dirty="0" err="1"/>
+              <a:t>Keine</a:t>
+            </a:r>
+            <a:r>
+              <a:rPr lang="en-GB" dirty="0"/>
+              <a:t> </a:t>
+            </a:r>
+            <a:r>
+              <a:rPr lang="en-GB" dirty="0" err="1"/>
+              <a:t>Funktions</a:t>
+            </a:r>
+            <a:r>
+              <a:rPr lang="en-GB" dirty="0"/>
+              <a:t> </a:t>
+            </a:r>
+            <a:r>
+              <a:rPr lang="en-GB" dirty="0" err="1"/>
+              <a:t>Operatoren</a:t>
+            </a:r>
+            <a:endParaRPr lang="en-GB" dirty="0"/>
+          </a:p>
+          <a:p>
+            <a:pPr marL="171450" indent="-171450">
+              <a:buFontTx/>
+              <a:buChar char="-"/>
+            </a:pPr>
+            <a:r>
+              <a:rPr lang="en-GB" dirty="0"/>
+              <a:t>Boolean Parser </a:t>
+            </a:r>
+            <a:r>
+              <a:rPr lang="en-GB" dirty="0" err="1"/>
+              <a:t>ähnliche</a:t>
+            </a:r>
+            <a:r>
+              <a:rPr lang="en-GB" dirty="0"/>
+              <a:t> </a:t>
+            </a:r>
+            <a:r>
+              <a:rPr lang="en-GB" dirty="0" err="1"/>
+              <a:t>Implementierung</a:t>
+            </a:r>
+            <a:r>
+              <a:rPr lang="en-GB" dirty="0"/>
+              <a:t> </a:t>
+            </a:r>
+            <a:r>
+              <a:rPr lang="en-GB" dirty="0" err="1"/>
+              <a:t>wegen</a:t>
+            </a:r>
+            <a:r>
+              <a:rPr lang="en-GB" dirty="0"/>
+              <a:t> der Parser </a:t>
+            </a:r>
+            <a:r>
+              <a:rPr lang="en-GB" dirty="0" err="1"/>
+              <a:t>Kombinatoren</a:t>
+            </a:r>
+            <a:r>
+              <a:rPr lang="en-GB" dirty="0"/>
+              <a:t>. </a:t>
+            </a:r>
+          </a:p>
+          <a:p>
+            <a:pPr marL="171450" indent="-171450">
+              <a:buFontTx/>
+              <a:buChar char="-"/>
+            </a:pPr>
+            <a:endParaRPr lang="en-GB" dirty="0"/>
+          </a:p>
+        </p:txBody>
+      </p:sp>
+      <p:sp>
+        <p:nvSpPr>
+          <p:cNvPr id="4" name="Foliennummernplatzhalter 3"/>
+          <p:cNvSpPr>
+            <a:spLocks noGrp="1"/>
+          </p:cNvSpPr>
+          <p:nvPr>
+            <p:ph type="sldNum" sz="quarter" idx="5"/>
+          </p:nvPr>
+        </p:nvSpPr>
+        <p:spPr/>
+        <p:txBody>
+          <a:bodyPr/>
+          <a:lstStyle/>
+          <a:p>
+            <a:fld id="{4B7F2186-9D35-4C25-8C11-1B8EB91F9EB2}" type="slidenum">
+              <a:rPr lang="en-GB" smtClean="0"/>
+              <a:t>10</a:t>
+            </a:fld>
+            <a:endParaRPr lang="en-GB"/>
+          </a:p>
+        </p:txBody>
+      </p:sp>
+    </p:spTree>
+    <p:extLst>
+      <p:ext uri="{BB962C8B-B14F-4D97-AF65-F5344CB8AC3E}">
+        <p14:creationId xmlns:p14="http://schemas.microsoft.com/office/powerpoint/2010/main" val="897716982"/>
+      </p:ext>
+    </p:extLst>
+  </p:cSld>
+  <p:clrMapOvr>
+    <a:masterClrMapping/>
+  </p:clrMapOvr>
+</p:notes>
+</file>
+
+<file path=ppt/notesSlides/notesSlide8.xml><?xml version="1.0" encoding="utf-8"?>
+<p:notes xmlns:a="http://schemas.openxmlformats.org/drawingml/2006/main" xmlns:r="http://schemas.openxmlformats.org/officeDocument/2006/relationships" xmlns:p="http://schemas.openxmlformats.org/presentationml/2006/main">
+  <p:cSld>
+    <p:spTree>
+      <p:nvGrpSpPr>
+        <p:cNvPr id="1" name=""/>
+        <p:cNvGrpSpPr/>
+        <p:nvPr/>
+      </p:nvGrpSpPr>
+      <p:grpSpPr>
+        <a:xfrm>
+          <a:off x="0" y="0"/>
+          <a:ext cx="0" cy="0"/>
+          <a:chOff x="0" y="0"/>
+          <a:chExt cx="0" cy="0"/>
+        </a:xfrm>
+      </p:grpSpPr>
+      <p:sp>
+        <p:nvSpPr>
+          <p:cNvPr id="2" name="Folienbildplatzhalter 1"/>
+          <p:cNvSpPr>
+            <a:spLocks noGrp="1" noRot="1" noChangeAspect="1"/>
+          </p:cNvSpPr>
+          <p:nvPr>
+            <p:ph type="sldImg"/>
+          </p:nvPr>
+        </p:nvSpPr>
+        <p:spPr/>
+      </p:sp>
+      <p:sp>
+        <p:nvSpPr>
+          <p:cNvPr id="3" name="Notizenplatzhalter 2"/>
+          <p:cNvSpPr>
+            <a:spLocks noGrp="1"/>
+          </p:cNvSpPr>
+          <p:nvPr>
+            <p:ph type="body" idx="1"/>
+          </p:nvPr>
+        </p:nvSpPr>
+        <p:spPr/>
+        <p:txBody>
+          <a:bodyPr/>
+          <a:lstStyle/>
+          <a:p>
+            <a:endParaRPr lang="en-GB" dirty="0"/>
+          </a:p>
+        </p:txBody>
+      </p:sp>
+      <p:sp>
+        <p:nvSpPr>
+          <p:cNvPr id="4" name="Foliennummernplatzhalter 3"/>
+          <p:cNvSpPr>
+            <a:spLocks noGrp="1"/>
+          </p:cNvSpPr>
+          <p:nvPr>
+            <p:ph type="sldNum" sz="quarter" idx="5"/>
+          </p:nvPr>
+        </p:nvSpPr>
+        <p:spPr/>
+        <p:txBody>
+          <a:bodyPr/>
+          <a:lstStyle/>
+          <a:p>
+            <a:fld id="{4B7F2186-9D35-4C25-8C11-1B8EB91F9EB2}" type="slidenum">
+              <a:rPr lang="en-GB" smtClean="0"/>
+              <a:t>11</a:t>
+            </a:fld>
+            <a:endParaRPr lang="en-GB"/>
+          </a:p>
+        </p:txBody>
+      </p:sp>
+    </p:spTree>
+    <p:extLst>
+      <p:ext uri="{BB962C8B-B14F-4D97-AF65-F5344CB8AC3E}">
+        <p14:creationId xmlns:p14="http://schemas.microsoft.com/office/powerpoint/2010/main" val="2087517894"/>
       </p:ext>
     </p:extLst>
   </p:cSld>
@@ -1278,7 +1774,7 @@
           <a:p>
             <a:fld id="{39E6A078-677C-4CB6-9893-D68F5A68EF5B}" type="datetimeFigureOut">
               <a:rPr lang="en-GB" smtClean="0"/>
-              <a:t>28/12/2019</a:t>
+              <a:t>29/12/2019</a:t>
             </a:fld>
             <a:endParaRPr lang="en-GB"/>
           </a:p>
@@ -1478,7 +1974,7 @@
           <a:p>
             <a:fld id="{39E6A078-677C-4CB6-9893-D68F5A68EF5B}" type="datetimeFigureOut">
               <a:rPr lang="en-GB" smtClean="0"/>
-              <a:t>28/12/2019</a:t>
+              <a:t>29/12/2019</a:t>
             </a:fld>
             <a:endParaRPr lang="en-GB"/>
           </a:p>
@@ -1688,7 +2184,7 @@
           <a:p>
             <a:fld id="{39E6A078-677C-4CB6-9893-D68F5A68EF5B}" type="datetimeFigureOut">
               <a:rPr lang="en-GB" smtClean="0"/>
-              <a:t>28/12/2019</a:t>
+              <a:t>29/12/2019</a:t>
             </a:fld>
             <a:endParaRPr lang="en-GB"/>
           </a:p>
@@ -1888,7 +2384,7 @@
           <a:p>
             <a:fld id="{39E6A078-677C-4CB6-9893-D68F5A68EF5B}" type="datetimeFigureOut">
               <a:rPr lang="en-GB" smtClean="0"/>
-              <a:t>28/12/2019</a:t>
+              <a:t>29/12/2019</a:t>
             </a:fld>
             <a:endParaRPr lang="en-GB"/>
           </a:p>
@@ -2164,7 +2660,7 @@
           <a:p>
             <a:fld id="{39E6A078-677C-4CB6-9893-D68F5A68EF5B}" type="datetimeFigureOut">
               <a:rPr lang="en-GB" smtClean="0"/>
-              <a:t>28/12/2019</a:t>
+              <a:t>29/12/2019</a:t>
             </a:fld>
             <a:endParaRPr lang="en-GB"/>
           </a:p>
@@ -2432,7 +2928,7 @@
           <a:p>
             <a:fld id="{39E6A078-677C-4CB6-9893-D68F5A68EF5B}" type="datetimeFigureOut">
               <a:rPr lang="en-GB" smtClean="0"/>
-              <a:t>28/12/2019</a:t>
+              <a:t>29/12/2019</a:t>
             </a:fld>
             <a:endParaRPr lang="en-GB"/>
           </a:p>
@@ -2847,7 +3343,7 @@
           <a:p>
             <a:fld id="{39E6A078-677C-4CB6-9893-D68F5A68EF5B}" type="datetimeFigureOut">
               <a:rPr lang="en-GB" smtClean="0"/>
-              <a:t>28/12/2019</a:t>
+              <a:t>29/12/2019</a:t>
             </a:fld>
             <a:endParaRPr lang="en-GB"/>
           </a:p>
@@ -2989,7 +3485,7 @@
           <a:p>
             <a:fld id="{39E6A078-677C-4CB6-9893-D68F5A68EF5B}" type="datetimeFigureOut">
               <a:rPr lang="en-GB" smtClean="0"/>
-              <a:t>28/12/2019</a:t>
+              <a:t>29/12/2019</a:t>
             </a:fld>
             <a:endParaRPr lang="en-GB"/>
           </a:p>
@@ -3102,7 +3598,7 @@
           <a:p>
             <a:fld id="{39E6A078-677C-4CB6-9893-D68F5A68EF5B}" type="datetimeFigureOut">
               <a:rPr lang="en-GB" smtClean="0"/>
-              <a:t>28/12/2019</a:t>
+              <a:t>29/12/2019</a:t>
             </a:fld>
             <a:endParaRPr lang="en-GB"/>
           </a:p>
@@ -3415,7 +3911,7 @@
           <a:p>
             <a:fld id="{39E6A078-677C-4CB6-9893-D68F5A68EF5B}" type="datetimeFigureOut">
               <a:rPr lang="en-GB" smtClean="0"/>
-              <a:t>28/12/2019</a:t>
+              <a:t>29/12/2019</a:t>
             </a:fld>
             <a:endParaRPr lang="en-GB"/>
           </a:p>
@@ -3704,7 +4200,7 @@
           <a:p>
             <a:fld id="{39E6A078-677C-4CB6-9893-D68F5A68EF5B}" type="datetimeFigureOut">
               <a:rPr lang="en-GB" smtClean="0"/>
-              <a:t>28/12/2019</a:t>
+              <a:t>29/12/2019</a:t>
             </a:fld>
             <a:endParaRPr lang="en-GB"/>
           </a:p>
@@ -3947,7 +4443,7 @@
           <a:p>
             <a:fld id="{39E6A078-677C-4CB6-9893-D68F5A68EF5B}" type="datetimeFigureOut">
               <a:rPr lang="en-GB" smtClean="0"/>
-              <a:t>28/12/2019</a:t>
+              <a:t>29/12/2019</a:t>
             </a:fld>
             <a:endParaRPr lang="en-GB"/>
           </a:p>
@@ -4674,6 +5170,1078 @@
 </p:sld>
 </file>
 
+<file path=ppt/slides/slide10.xml><?xml version="1.0" encoding="utf-8"?>
+<p:sld xmlns:a="http://schemas.openxmlformats.org/drawingml/2006/main" xmlns:r="http://schemas.openxmlformats.org/officeDocument/2006/relationships" xmlns:p="http://schemas.openxmlformats.org/presentationml/2006/main">
+  <p:cSld>
+    <p:bg>
+      <p:bgPr>
+        <a:solidFill>
+          <a:schemeClr val="bg1"/>
+        </a:solidFill>
+        <a:effectLst/>
+      </p:bgPr>
+    </p:bg>
+    <p:spTree>
+      <p:nvGrpSpPr>
+        <p:cNvPr id="1" name=""/>
+        <p:cNvGrpSpPr/>
+        <p:nvPr/>
+      </p:nvGrpSpPr>
+      <p:grpSpPr>
+        <a:xfrm>
+          <a:off x="0" y="0"/>
+          <a:ext cx="0" cy="0"/>
+          <a:chOff x="0" y="0"/>
+          <a:chExt cx="0" cy="0"/>
+        </a:xfrm>
+      </p:grpSpPr>
+      <p:sp>
+        <p:nvSpPr>
+          <p:cNvPr id="8" name="Rectangle 7">
+            <a:extLst>
+              <a:ext uri="{FF2B5EF4-FFF2-40B4-BE49-F238E27FC236}">
+                <a16:creationId xmlns:a16="http://schemas.microsoft.com/office/drawing/2014/main" id="{8D70B121-56F4-4848-B38B-182089D909FA}"/>
+              </a:ext>
+              <a:ext uri="{C183D7F6-B498-43B3-948B-1728B52AA6E4}">
+                <adec:decorative xmlns:adec="http://schemas.microsoft.com/office/drawing/2017/decorative" val="1"/>
+              </a:ext>
+            </a:extLst>
+          </p:cNvPr>
+          <p:cNvSpPr>
+            <a:spLocks noGrp="1" noRot="1" noChangeAspect="1" noMove="1" noResize="1" noEditPoints="1" noAdjustHandles="1" noChangeArrowheads="1" noChangeShapeType="1" noTextEdit="1"/>
+          </p:cNvSpPr>
+          <p:nvPr>
+            <p:extLst>
+              <p:ext uri="{386F3935-93C4-4BCD-93E2-E3B085C9AB24}">
+                <p16:designElem xmlns:p16="http://schemas.microsoft.com/office/powerpoint/2015/main" val="1"/>
+              </p:ext>
+            </p:extLst>
+          </p:nvPr>
+        </p:nvSpPr>
+        <p:spPr bwMode="ltGray">
+          <a:xfrm>
+            <a:off x="321564" y="320040"/>
+            <a:ext cx="11548872" cy="6217920"/>
+          </a:xfrm>
+          <a:prstGeom prst="rect">
+            <a:avLst/>
+          </a:prstGeom>
+          <a:solidFill>
+            <a:schemeClr val="tx1">
+              <a:alpha val="8000"/>
+            </a:schemeClr>
+          </a:solidFill>
+          <a:ln w="127000" cap="sq" cmpd="thinThick">
+            <a:noFill/>
+          </a:ln>
+        </p:spPr>
+        <p:style>
+          <a:lnRef idx="2">
+            <a:schemeClr val="accent1">
+              <a:shade val="50000"/>
+            </a:schemeClr>
+          </a:lnRef>
+          <a:fillRef idx="1">
+            <a:schemeClr val="accent1"/>
+          </a:fillRef>
+          <a:effectRef idx="0">
+            <a:schemeClr val="accent1"/>
+          </a:effectRef>
+          <a:fontRef idx="minor">
+            <a:schemeClr val="lt1"/>
+          </a:fontRef>
+        </p:style>
+        <p:txBody>
+          <a:bodyPr rtlCol="0" anchor="ctr"/>
+          <a:lstStyle/>
+          <a:p>
+            <a:pPr algn="ctr"/>
+            <a:endParaRPr lang="en-US"/>
+          </a:p>
+        </p:txBody>
+      </p:sp>
+      <p:sp>
+        <p:nvSpPr>
+          <p:cNvPr id="2" name="Titel 1">
+            <a:extLst>
+              <a:ext uri="{FF2B5EF4-FFF2-40B4-BE49-F238E27FC236}">
+                <a16:creationId xmlns:a16="http://schemas.microsoft.com/office/drawing/2014/main" id="{00BD7C8B-89BB-47AC-B13C-730CB6772DA9}"/>
+              </a:ext>
+            </a:extLst>
+          </p:cNvPr>
+          <p:cNvSpPr>
+            <a:spLocks noGrp="1"/>
+          </p:cNvSpPr>
+          <p:nvPr>
+            <p:ph type="title"/>
+          </p:nvPr>
+        </p:nvSpPr>
+        <p:spPr>
+          <a:xfrm>
+            <a:off x="838200" y="963877"/>
+            <a:ext cx="3494362" cy="4930246"/>
+          </a:xfrm>
+        </p:spPr>
+        <p:txBody>
+          <a:bodyPr>
+            <a:normAutofit/>
+          </a:bodyPr>
+          <a:lstStyle/>
+          <a:p>
+            <a:pPr algn="r"/>
+            <a:r>
+              <a:rPr lang="de-DE">
+                <a:solidFill>
+                  <a:schemeClr val="accent1"/>
+                </a:solidFill>
+              </a:rPr>
+              <a:t>Vergleich zu GO</a:t>
+            </a:r>
+            <a:endParaRPr lang="en-GB">
+              <a:solidFill>
+                <a:schemeClr val="accent1"/>
+              </a:solidFill>
+            </a:endParaRPr>
+          </a:p>
+        </p:txBody>
+      </p:sp>
+      <p:cxnSp>
+        <p:nvCxnSpPr>
+          <p:cNvPr id="10" name="Straight Connector 9">
+            <a:extLst>
+              <a:ext uri="{FF2B5EF4-FFF2-40B4-BE49-F238E27FC236}">
+                <a16:creationId xmlns:a16="http://schemas.microsoft.com/office/drawing/2014/main" id="{2D72A2C9-F3CA-4216-8BAD-FA4C970C3C4E}"/>
+              </a:ext>
+              <a:ext uri="{C183D7F6-B498-43B3-948B-1728B52AA6E4}">
+                <adec:decorative xmlns:adec="http://schemas.microsoft.com/office/drawing/2017/decorative" val="1"/>
+              </a:ext>
+            </a:extLst>
+          </p:cNvPr>
+          <p:cNvCxnSpPr>
+            <a:cxnSpLocks noGrp="1" noRot="1" noChangeAspect="1" noMove="1" noResize="1" noEditPoints="1" noAdjustHandles="1" noChangeArrowheads="1" noChangeShapeType="1"/>
+          </p:cNvCxnSpPr>
+          <p:nvPr>
+            <p:extLst>
+              <p:ext uri="{386F3935-93C4-4BCD-93E2-E3B085C9AB24}">
+                <p16:designElem xmlns:p16="http://schemas.microsoft.com/office/powerpoint/2015/main" val="1"/>
+              </p:ext>
+            </p:extLst>
+          </p:nvPr>
+        </p:nvCxnSpPr>
+        <p:spPr>
+          <a:xfrm>
+            <a:off x="4654296" y="2057400"/>
+            <a:ext cx="0" cy="2743200"/>
+          </a:xfrm>
+          <a:prstGeom prst="line">
+            <a:avLst/>
+          </a:prstGeom>
+          <a:ln w="19050">
+            <a:solidFill>
+              <a:schemeClr val="tx1">
+                <a:lumMod val="85000"/>
+                <a:lumOff val="15000"/>
+              </a:schemeClr>
+            </a:solidFill>
+          </a:ln>
+        </p:spPr>
+        <p:style>
+          <a:lnRef idx="1">
+            <a:schemeClr val="accent1"/>
+          </a:lnRef>
+          <a:fillRef idx="0">
+            <a:schemeClr val="accent1"/>
+          </a:fillRef>
+          <a:effectRef idx="0">
+            <a:schemeClr val="accent1"/>
+          </a:effectRef>
+          <a:fontRef idx="minor">
+            <a:schemeClr val="tx1"/>
+          </a:fontRef>
+        </p:style>
+      </p:cxnSp>
+      <p:sp>
+        <p:nvSpPr>
+          <p:cNvPr id="3" name="Inhaltsplatzhalter 2">
+            <a:extLst>
+              <a:ext uri="{FF2B5EF4-FFF2-40B4-BE49-F238E27FC236}">
+                <a16:creationId xmlns:a16="http://schemas.microsoft.com/office/drawing/2014/main" id="{9958C11D-3C8C-4422-8F30-7A8D9AB4DA1B}"/>
+              </a:ext>
+            </a:extLst>
+          </p:cNvPr>
+          <p:cNvSpPr>
+            <a:spLocks noGrp="1"/>
+          </p:cNvSpPr>
+          <p:nvPr>
+            <p:ph idx="1"/>
+          </p:nvPr>
+        </p:nvSpPr>
+        <p:spPr>
+          <a:xfrm>
+            <a:off x="4976031" y="963877"/>
+            <a:ext cx="6377769" cy="4930246"/>
+          </a:xfrm>
+        </p:spPr>
+        <p:txBody>
+          <a:bodyPr anchor="ctr">
+            <a:normAutofit/>
+          </a:bodyPr>
+          <a:lstStyle/>
+          <a:p>
+            <a:r>
+              <a:rPr lang="de-DE" sz="2400" dirty="0"/>
+              <a:t>Type </a:t>
+            </a:r>
+            <a:r>
+              <a:rPr lang="de-DE" sz="2400" dirty="0" err="1"/>
+              <a:t>Inference</a:t>
+            </a:r>
+            <a:r>
+              <a:rPr lang="de-DE" sz="2400" dirty="0"/>
+              <a:t> </a:t>
+            </a:r>
+          </a:p>
+          <a:p>
+            <a:r>
+              <a:rPr lang="de-DE" sz="2400" dirty="0" err="1"/>
+              <a:t>Immutability</a:t>
+            </a:r>
+            <a:endParaRPr lang="de-DE" sz="2400" dirty="0"/>
+          </a:p>
+          <a:p>
+            <a:r>
+              <a:rPr lang="de-DE" sz="2400" dirty="0"/>
+              <a:t>First </a:t>
+            </a:r>
+            <a:r>
+              <a:rPr lang="de-DE" sz="2400" dirty="0" err="1"/>
+              <a:t>class</a:t>
+            </a:r>
+            <a:r>
+              <a:rPr lang="de-DE" sz="2400" dirty="0"/>
+              <a:t> </a:t>
+            </a:r>
+            <a:r>
+              <a:rPr lang="de-DE" sz="2400" dirty="0" err="1"/>
+              <a:t>functions</a:t>
+            </a:r>
+            <a:endParaRPr lang="de-DE" sz="2400" dirty="0"/>
+          </a:p>
+          <a:p>
+            <a:r>
+              <a:rPr lang="en-GB" sz="2400" dirty="0"/>
+              <a:t>Types</a:t>
+            </a:r>
+          </a:p>
+          <a:p>
+            <a:r>
+              <a:rPr lang="en-GB" sz="2400" dirty="0"/>
+              <a:t>Function Operator</a:t>
+            </a:r>
+          </a:p>
+          <a:p>
+            <a:r>
+              <a:rPr lang="en-GB" sz="2400" dirty="0"/>
+              <a:t>Boolean Parser</a:t>
+            </a:r>
+          </a:p>
+        </p:txBody>
+      </p:sp>
+    </p:spTree>
+    <p:extLst>
+      <p:ext uri="{BB962C8B-B14F-4D97-AF65-F5344CB8AC3E}">
+        <p14:creationId xmlns:p14="http://schemas.microsoft.com/office/powerpoint/2010/main" val="363162767"/>
+      </p:ext>
+    </p:extLst>
+  </p:cSld>
+  <p:clrMapOvr>
+    <a:masterClrMapping/>
+  </p:clrMapOvr>
+  <p:timing>
+    <p:tnLst>
+      <p:par>
+        <p:cTn id="1" dur="indefinite" restart="never" nodeType="tmRoot">
+          <p:childTnLst>
+            <p:seq concurrent="1" nextAc="seek">
+              <p:cTn id="2" dur="indefinite" nodeType="mainSeq">
+                <p:childTnLst>
+                  <p:par>
+                    <p:cTn id="3" fill="hold">
+                      <p:stCondLst>
+                        <p:cond delay="indefinite"/>
+                      </p:stCondLst>
+                      <p:childTnLst>
+                        <p:par>
+                          <p:cTn id="4" fill="hold">
+                            <p:stCondLst>
+                              <p:cond delay="0"/>
+                            </p:stCondLst>
+                            <p:childTnLst>
+                              <p:par>
+                                <p:cTn id="5" presetID="10" presetClass="entr" presetSubtype="0" fill="hold" grpId="0" nodeType="clickEffect">
+                                  <p:stCondLst>
+                                    <p:cond delay="0"/>
+                                  </p:stCondLst>
+                                  <p:childTnLst>
+                                    <p:set>
+                                      <p:cBhvr>
+                                        <p:cTn id="6" dur="1" fill="hold">
+                                          <p:stCondLst>
+                                            <p:cond delay="0"/>
+                                          </p:stCondLst>
+                                        </p:cTn>
+                                        <p:tgtEl>
+                                          <p:spTgt spid="3">
+                                            <p:txEl>
+                                              <p:pRg st="0" end="0"/>
+                                            </p:txEl>
+                                          </p:spTgt>
+                                        </p:tgtEl>
+                                        <p:attrNameLst>
+                                          <p:attrName>style.visibility</p:attrName>
+                                        </p:attrNameLst>
+                                      </p:cBhvr>
+                                      <p:to>
+                                        <p:strVal val="visible"/>
+                                      </p:to>
+                                    </p:set>
+                                    <p:animEffect transition="in" filter="fade">
+                                      <p:cBhvr>
+                                        <p:cTn id="7" dur="500"/>
+                                        <p:tgtEl>
+                                          <p:spTgt spid="3">
+                                            <p:txEl>
+                                              <p:pRg st="0" end="0"/>
+                                            </p:txEl>
+                                          </p:spTgt>
+                                        </p:tgtEl>
+                                      </p:cBhvr>
+                                    </p:animEffect>
+                                  </p:childTnLst>
+                                </p:cTn>
+                              </p:par>
+                            </p:childTnLst>
+                          </p:cTn>
+                        </p:par>
+                      </p:childTnLst>
+                    </p:cTn>
+                  </p:par>
+                  <p:par>
+                    <p:cTn id="8" fill="hold">
+                      <p:stCondLst>
+                        <p:cond delay="indefinite"/>
+                      </p:stCondLst>
+                      <p:childTnLst>
+                        <p:par>
+                          <p:cTn id="9" fill="hold">
+                            <p:stCondLst>
+                              <p:cond delay="0"/>
+                            </p:stCondLst>
+                            <p:childTnLst>
+                              <p:par>
+                                <p:cTn id="10" presetID="10" presetClass="entr" presetSubtype="0" fill="hold" grpId="0" nodeType="clickEffect">
+                                  <p:stCondLst>
+                                    <p:cond delay="0"/>
+                                  </p:stCondLst>
+                                  <p:childTnLst>
+                                    <p:set>
+                                      <p:cBhvr>
+                                        <p:cTn id="11" dur="1" fill="hold">
+                                          <p:stCondLst>
+                                            <p:cond delay="0"/>
+                                          </p:stCondLst>
+                                        </p:cTn>
+                                        <p:tgtEl>
+                                          <p:spTgt spid="3">
+                                            <p:txEl>
+                                              <p:pRg st="1" end="1"/>
+                                            </p:txEl>
+                                          </p:spTgt>
+                                        </p:tgtEl>
+                                        <p:attrNameLst>
+                                          <p:attrName>style.visibility</p:attrName>
+                                        </p:attrNameLst>
+                                      </p:cBhvr>
+                                      <p:to>
+                                        <p:strVal val="visible"/>
+                                      </p:to>
+                                    </p:set>
+                                    <p:animEffect transition="in" filter="fade">
+                                      <p:cBhvr>
+                                        <p:cTn id="12" dur="500"/>
+                                        <p:tgtEl>
+                                          <p:spTgt spid="3">
+                                            <p:txEl>
+                                              <p:pRg st="1" end="1"/>
+                                            </p:txEl>
+                                          </p:spTgt>
+                                        </p:tgtEl>
+                                      </p:cBhvr>
+                                    </p:animEffect>
+                                  </p:childTnLst>
+                                </p:cTn>
+                              </p:par>
+                            </p:childTnLst>
+                          </p:cTn>
+                        </p:par>
+                      </p:childTnLst>
+                    </p:cTn>
+                  </p:par>
+                  <p:par>
+                    <p:cTn id="13" fill="hold">
+                      <p:stCondLst>
+                        <p:cond delay="indefinite"/>
+                      </p:stCondLst>
+                      <p:childTnLst>
+                        <p:par>
+                          <p:cTn id="14" fill="hold">
+                            <p:stCondLst>
+                              <p:cond delay="0"/>
+                            </p:stCondLst>
+                            <p:childTnLst>
+                              <p:par>
+                                <p:cTn id="15" presetID="10" presetClass="entr" presetSubtype="0" fill="hold" grpId="0" nodeType="clickEffect">
+                                  <p:stCondLst>
+                                    <p:cond delay="0"/>
+                                  </p:stCondLst>
+                                  <p:childTnLst>
+                                    <p:set>
+                                      <p:cBhvr>
+                                        <p:cTn id="16" dur="1" fill="hold">
+                                          <p:stCondLst>
+                                            <p:cond delay="0"/>
+                                          </p:stCondLst>
+                                        </p:cTn>
+                                        <p:tgtEl>
+                                          <p:spTgt spid="3">
+                                            <p:txEl>
+                                              <p:pRg st="2" end="2"/>
+                                            </p:txEl>
+                                          </p:spTgt>
+                                        </p:tgtEl>
+                                        <p:attrNameLst>
+                                          <p:attrName>style.visibility</p:attrName>
+                                        </p:attrNameLst>
+                                      </p:cBhvr>
+                                      <p:to>
+                                        <p:strVal val="visible"/>
+                                      </p:to>
+                                    </p:set>
+                                    <p:animEffect transition="in" filter="fade">
+                                      <p:cBhvr>
+                                        <p:cTn id="17" dur="500"/>
+                                        <p:tgtEl>
+                                          <p:spTgt spid="3">
+                                            <p:txEl>
+                                              <p:pRg st="2" end="2"/>
+                                            </p:txEl>
+                                          </p:spTgt>
+                                        </p:tgtEl>
+                                      </p:cBhvr>
+                                    </p:animEffect>
+                                  </p:childTnLst>
+                                </p:cTn>
+                              </p:par>
+                            </p:childTnLst>
+                          </p:cTn>
+                        </p:par>
+                      </p:childTnLst>
+                    </p:cTn>
+                  </p:par>
+                  <p:par>
+                    <p:cTn id="18" fill="hold">
+                      <p:stCondLst>
+                        <p:cond delay="indefinite"/>
+                      </p:stCondLst>
+                      <p:childTnLst>
+                        <p:par>
+                          <p:cTn id="19" fill="hold">
+                            <p:stCondLst>
+                              <p:cond delay="0"/>
+                            </p:stCondLst>
+                            <p:childTnLst>
+                              <p:par>
+                                <p:cTn id="20" presetID="10" presetClass="entr" presetSubtype="0" fill="hold" grpId="0" nodeType="clickEffect">
+                                  <p:stCondLst>
+                                    <p:cond delay="0"/>
+                                  </p:stCondLst>
+                                  <p:childTnLst>
+                                    <p:set>
+                                      <p:cBhvr>
+                                        <p:cTn id="21" dur="1" fill="hold">
+                                          <p:stCondLst>
+                                            <p:cond delay="0"/>
+                                          </p:stCondLst>
+                                        </p:cTn>
+                                        <p:tgtEl>
+                                          <p:spTgt spid="3">
+                                            <p:txEl>
+                                              <p:pRg st="3" end="3"/>
+                                            </p:txEl>
+                                          </p:spTgt>
+                                        </p:tgtEl>
+                                        <p:attrNameLst>
+                                          <p:attrName>style.visibility</p:attrName>
+                                        </p:attrNameLst>
+                                      </p:cBhvr>
+                                      <p:to>
+                                        <p:strVal val="visible"/>
+                                      </p:to>
+                                    </p:set>
+                                    <p:animEffect transition="in" filter="fade">
+                                      <p:cBhvr>
+                                        <p:cTn id="22" dur="500"/>
+                                        <p:tgtEl>
+                                          <p:spTgt spid="3">
+                                            <p:txEl>
+                                              <p:pRg st="3" end="3"/>
+                                            </p:txEl>
+                                          </p:spTgt>
+                                        </p:tgtEl>
+                                      </p:cBhvr>
+                                    </p:animEffect>
+                                  </p:childTnLst>
+                                </p:cTn>
+                              </p:par>
+                            </p:childTnLst>
+                          </p:cTn>
+                        </p:par>
+                      </p:childTnLst>
+                    </p:cTn>
+                  </p:par>
+                  <p:par>
+                    <p:cTn id="23" fill="hold">
+                      <p:stCondLst>
+                        <p:cond delay="indefinite"/>
+                      </p:stCondLst>
+                      <p:childTnLst>
+                        <p:par>
+                          <p:cTn id="24" fill="hold">
+                            <p:stCondLst>
+                              <p:cond delay="0"/>
+                            </p:stCondLst>
+                            <p:childTnLst>
+                              <p:par>
+                                <p:cTn id="25" presetID="10" presetClass="entr" presetSubtype="0" fill="hold" grpId="0" nodeType="clickEffect">
+                                  <p:stCondLst>
+                                    <p:cond delay="0"/>
+                                  </p:stCondLst>
+                                  <p:childTnLst>
+                                    <p:set>
+                                      <p:cBhvr>
+                                        <p:cTn id="26" dur="1" fill="hold">
+                                          <p:stCondLst>
+                                            <p:cond delay="0"/>
+                                          </p:stCondLst>
+                                        </p:cTn>
+                                        <p:tgtEl>
+                                          <p:spTgt spid="3">
+                                            <p:txEl>
+                                              <p:pRg st="4" end="4"/>
+                                            </p:txEl>
+                                          </p:spTgt>
+                                        </p:tgtEl>
+                                        <p:attrNameLst>
+                                          <p:attrName>style.visibility</p:attrName>
+                                        </p:attrNameLst>
+                                      </p:cBhvr>
+                                      <p:to>
+                                        <p:strVal val="visible"/>
+                                      </p:to>
+                                    </p:set>
+                                    <p:animEffect transition="in" filter="fade">
+                                      <p:cBhvr>
+                                        <p:cTn id="27" dur="500"/>
+                                        <p:tgtEl>
+                                          <p:spTgt spid="3">
+                                            <p:txEl>
+                                              <p:pRg st="4" end="4"/>
+                                            </p:txEl>
+                                          </p:spTgt>
+                                        </p:tgtEl>
+                                      </p:cBhvr>
+                                    </p:animEffect>
+                                  </p:childTnLst>
+                                </p:cTn>
+                              </p:par>
+                            </p:childTnLst>
+                          </p:cTn>
+                        </p:par>
+                      </p:childTnLst>
+                    </p:cTn>
+                  </p:par>
+                  <p:par>
+                    <p:cTn id="28" fill="hold">
+                      <p:stCondLst>
+                        <p:cond delay="indefinite"/>
+                      </p:stCondLst>
+                      <p:childTnLst>
+                        <p:par>
+                          <p:cTn id="29" fill="hold">
+                            <p:stCondLst>
+                              <p:cond delay="0"/>
+                            </p:stCondLst>
+                            <p:childTnLst>
+                              <p:par>
+                                <p:cTn id="30" presetID="10" presetClass="entr" presetSubtype="0" fill="hold" grpId="0" nodeType="clickEffect">
+                                  <p:stCondLst>
+                                    <p:cond delay="0"/>
+                                  </p:stCondLst>
+                                  <p:childTnLst>
+                                    <p:set>
+                                      <p:cBhvr>
+                                        <p:cTn id="31" dur="1" fill="hold">
+                                          <p:stCondLst>
+                                            <p:cond delay="0"/>
+                                          </p:stCondLst>
+                                        </p:cTn>
+                                        <p:tgtEl>
+                                          <p:spTgt spid="3">
+                                            <p:txEl>
+                                              <p:pRg st="5" end="5"/>
+                                            </p:txEl>
+                                          </p:spTgt>
+                                        </p:tgtEl>
+                                        <p:attrNameLst>
+                                          <p:attrName>style.visibility</p:attrName>
+                                        </p:attrNameLst>
+                                      </p:cBhvr>
+                                      <p:to>
+                                        <p:strVal val="visible"/>
+                                      </p:to>
+                                    </p:set>
+                                    <p:animEffect transition="in" filter="fade">
+                                      <p:cBhvr>
+                                        <p:cTn id="32" dur="500"/>
+                                        <p:tgtEl>
+                                          <p:spTgt spid="3">
+                                            <p:txEl>
+                                              <p:pRg st="5" end="5"/>
+                                            </p:txEl>
+                                          </p:spTgt>
+                                        </p:tgtEl>
+                                      </p:cBhvr>
+                                    </p:animEffect>
+                                  </p:childTnLst>
+                                </p:cTn>
+                              </p:par>
+                            </p:childTnLst>
+                          </p:cTn>
+                        </p:par>
+                      </p:childTnLst>
+                    </p:cTn>
+                  </p:par>
+                </p:childTnLst>
+              </p:cTn>
+              <p:prevCondLst>
+                <p:cond evt="onPrev" delay="0">
+                  <p:tgtEl>
+                    <p:sldTgt/>
+                  </p:tgtEl>
+                </p:cond>
+              </p:prevCondLst>
+              <p:nextCondLst>
+                <p:cond evt="onNext" delay="0">
+                  <p:tgtEl>
+                    <p:sldTgt/>
+                  </p:tgtEl>
+                </p:cond>
+              </p:nextCondLst>
+            </p:seq>
+          </p:childTnLst>
+        </p:cTn>
+      </p:par>
+    </p:tnLst>
+    <p:bldLst>
+      <p:bldP spid="3" grpId="0" build="p"/>
+    </p:bldLst>
+  </p:timing>
+</p:sld>
+</file>
+
+<file path=ppt/slides/slide11.xml><?xml version="1.0" encoding="utf-8"?>
+<p:sld xmlns:a="http://schemas.openxmlformats.org/drawingml/2006/main" xmlns:r="http://schemas.openxmlformats.org/officeDocument/2006/relationships" xmlns:p="http://schemas.openxmlformats.org/presentationml/2006/main">
+  <p:cSld>
+    <p:bg>
+      <p:bgPr>
+        <a:solidFill>
+          <a:schemeClr val="bg1"/>
+        </a:solidFill>
+        <a:effectLst/>
+      </p:bgPr>
+    </p:bg>
+    <p:spTree>
+      <p:nvGrpSpPr>
+        <p:cNvPr id="1" name=""/>
+        <p:cNvGrpSpPr/>
+        <p:nvPr/>
+      </p:nvGrpSpPr>
+      <p:grpSpPr>
+        <a:xfrm>
+          <a:off x="0" y="0"/>
+          <a:ext cx="0" cy="0"/>
+          <a:chOff x="0" y="0"/>
+          <a:chExt cx="0" cy="0"/>
+        </a:xfrm>
+      </p:grpSpPr>
+      <p:sp>
+        <p:nvSpPr>
+          <p:cNvPr id="18" name="Rectangle 17">
+            <a:extLst>
+              <a:ext uri="{FF2B5EF4-FFF2-40B4-BE49-F238E27FC236}">
+                <a16:creationId xmlns:a16="http://schemas.microsoft.com/office/drawing/2014/main" id="{D8386171-E87D-46AB-8718-4CE2A88748BD}"/>
+              </a:ext>
+              <a:ext uri="{C183D7F6-B498-43B3-948B-1728B52AA6E4}">
+                <adec:decorative xmlns:adec="http://schemas.microsoft.com/office/drawing/2017/decorative" val="1"/>
+              </a:ext>
+            </a:extLst>
+          </p:cNvPr>
+          <p:cNvSpPr>
+            <a:spLocks noGrp="1" noRot="1" noChangeAspect="1" noMove="1" noResize="1" noEditPoints="1" noAdjustHandles="1" noChangeArrowheads="1" noChangeShapeType="1" noTextEdit="1"/>
+          </p:cNvSpPr>
+          <p:nvPr>
+            <p:extLst>
+              <p:ext uri="{386F3935-93C4-4BCD-93E2-E3B085C9AB24}">
+                <p16:designElem xmlns:p16="http://schemas.microsoft.com/office/powerpoint/2015/main" val="1"/>
+              </p:ext>
+            </p:extLst>
+          </p:nvPr>
+        </p:nvSpPr>
+        <p:spPr>
+          <a:xfrm>
+            <a:off x="0" y="0"/>
+            <a:ext cx="12192000" cy="6858000"/>
+          </a:xfrm>
+          <a:prstGeom prst="rect">
+            <a:avLst/>
+          </a:prstGeom>
+          <a:solidFill>
+            <a:srgbClr val="C8CACA"/>
+          </a:solidFill>
+          <a:ln>
+            <a:noFill/>
+          </a:ln>
+        </p:spPr>
+        <p:style>
+          <a:lnRef idx="2">
+            <a:schemeClr val="accent1">
+              <a:shade val="50000"/>
+            </a:schemeClr>
+          </a:lnRef>
+          <a:fillRef idx="1">
+            <a:schemeClr val="accent1"/>
+          </a:fillRef>
+          <a:effectRef idx="0">
+            <a:schemeClr val="accent1"/>
+          </a:effectRef>
+          <a:fontRef idx="minor">
+            <a:schemeClr val="lt1"/>
+          </a:fontRef>
+        </p:style>
+        <p:txBody>
+          <a:bodyPr rtlCol="0" anchor="ctr"/>
+          <a:lstStyle/>
+          <a:p>
+            <a:pPr algn="ctr"/>
+            <a:endParaRPr lang="en-US"/>
+          </a:p>
+        </p:txBody>
+      </p:sp>
+      <p:sp>
+        <p:nvSpPr>
+          <p:cNvPr id="20" name="Rounded Rectangle 26">
+            <a:extLst>
+              <a:ext uri="{FF2B5EF4-FFF2-40B4-BE49-F238E27FC236}">
+                <a16:creationId xmlns:a16="http://schemas.microsoft.com/office/drawing/2014/main" id="{207CB456-8849-413C-8210-B663779A32E0}"/>
+              </a:ext>
+              <a:ext uri="{C183D7F6-B498-43B3-948B-1728B52AA6E4}">
+                <adec:decorative xmlns:adec="http://schemas.microsoft.com/office/drawing/2017/decorative" val="1"/>
+              </a:ext>
+            </a:extLst>
+          </p:cNvPr>
+          <p:cNvSpPr>
+            <a:spLocks noGrp="1" noRot="1" noChangeAspect="1" noMove="1" noResize="1" noEditPoints="1" noAdjustHandles="1" noChangeArrowheads="1" noChangeShapeType="1" noTextEdit="1"/>
+          </p:cNvSpPr>
+          <p:nvPr>
+            <p:extLst>
+              <p:ext uri="{386F3935-93C4-4BCD-93E2-E3B085C9AB24}">
+                <p16:designElem xmlns:p16="http://schemas.microsoft.com/office/powerpoint/2015/main" val="1"/>
+              </p:ext>
+            </p:extLst>
+          </p:nvPr>
+        </p:nvSpPr>
+        <p:spPr>
+          <a:xfrm>
+            <a:off x="646745" y="640080"/>
+            <a:ext cx="10920415" cy="5577818"/>
+          </a:xfrm>
+          <a:prstGeom prst="roundRect">
+            <a:avLst>
+              <a:gd name="adj" fmla="val 0"/>
+            </a:avLst>
+          </a:prstGeom>
+          <a:solidFill>
+            <a:srgbClr val="FFFFFF"/>
+          </a:solidFill>
+          <a:ln w="9525">
+            <a:solidFill>
+              <a:srgbClr val="C8CACA"/>
+            </a:solidFill>
+          </a:ln>
+          <a:effectLst>
+            <a:outerShdw blurRad="57150" dist="19050" dir="5400000" algn="t" rotWithShape="0">
+              <a:prstClr val="black">
+                <a:alpha val="63000"/>
+              </a:prstClr>
+            </a:outerShdw>
+          </a:effectLst>
+        </p:spPr>
+        <p:style>
+          <a:lnRef idx="2">
+            <a:schemeClr val="accent1">
+              <a:shade val="50000"/>
+            </a:schemeClr>
+          </a:lnRef>
+          <a:fillRef idx="1">
+            <a:schemeClr val="accent1"/>
+          </a:fillRef>
+          <a:effectRef idx="0">
+            <a:schemeClr val="accent1"/>
+          </a:effectRef>
+          <a:fontRef idx="minor">
+            <a:schemeClr val="lt1"/>
+          </a:fontRef>
+        </p:style>
+        <p:txBody>
+          <a:bodyPr rtlCol="0" anchor="ctr"/>
+          <a:lstStyle/>
+          <a:p>
+            <a:pPr algn="ctr"/>
+            <a:endParaRPr lang="en-US"/>
+          </a:p>
+        </p:txBody>
+      </p:sp>
+      <p:sp>
+        <p:nvSpPr>
+          <p:cNvPr id="22" name="Rectangle 21">
+            <a:extLst>
+              <a:ext uri="{FF2B5EF4-FFF2-40B4-BE49-F238E27FC236}">
+                <a16:creationId xmlns:a16="http://schemas.microsoft.com/office/drawing/2014/main" id="{E513936D-D1EB-4E42-A97F-942BA1F3DFA7}"/>
+              </a:ext>
+              <a:ext uri="{C183D7F6-B498-43B3-948B-1728B52AA6E4}">
+                <adec:decorative xmlns:adec="http://schemas.microsoft.com/office/drawing/2017/decorative" val="1"/>
+              </a:ext>
+            </a:extLst>
+          </p:cNvPr>
+          <p:cNvSpPr>
+            <a:spLocks noGrp="1" noRot="1" noChangeAspect="1" noMove="1" noResize="1" noEditPoints="1" noAdjustHandles="1" noChangeArrowheads="1" noChangeShapeType="1" noTextEdit="1"/>
+          </p:cNvSpPr>
+          <p:nvPr>
+            <p:extLst>
+              <p:ext uri="{386F3935-93C4-4BCD-93E2-E3B085C9AB24}">
+                <p16:designElem xmlns:p16="http://schemas.microsoft.com/office/powerpoint/2015/main" val="1"/>
+              </p:ext>
+            </p:extLst>
+          </p:nvPr>
+        </p:nvSpPr>
+        <p:spPr>
+          <a:xfrm>
+            <a:off x="968024" y="960109"/>
+            <a:ext cx="10277856" cy="4937760"/>
+          </a:xfrm>
+          <a:prstGeom prst="rect">
+            <a:avLst/>
+          </a:prstGeom>
+          <a:solidFill>
+            <a:schemeClr val="bg2"/>
+          </a:solidFill>
+          <a:ln>
+            <a:noFill/>
+          </a:ln>
+        </p:spPr>
+        <p:style>
+          <a:lnRef idx="2">
+            <a:schemeClr val="accent1">
+              <a:shade val="50000"/>
+            </a:schemeClr>
+          </a:lnRef>
+          <a:fillRef idx="1">
+            <a:schemeClr val="accent1"/>
+          </a:fillRef>
+          <a:effectRef idx="0">
+            <a:schemeClr val="accent1"/>
+          </a:effectRef>
+          <a:fontRef idx="minor">
+            <a:schemeClr val="lt1"/>
+          </a:fontRef>
+        </p:style>
+        <p:txBody>
+          <a:bodyPr rtlCol="0" anchor="ctr"/>
+          <a:lstStyle/>
+          <a:p>
+            <a:pPr algn="ctr"/>
+            <a:endParaRPr lang="en-US"/>
+          </a:p>
+        </p:txBody>
+      </p:sp>
+      <p:sp>
+        <p:nvSpPr>
+          <p:cNvPr id="2" name="Titel 1">
+            <a:extLst>
+              <a:ext uri="{FF2B5EF4-FFF2-40B4-BE49-F238E27FC236}">
+                <a16:creationId xmlns:a16="http://schemas.microsoft.com/office/drawing/2014/main" id="{5FDA791A-FB24-49A4-A3FC-79F05D8625A5}"/>
+              </a:ext>
+            </a:extLst>
+          </p:cNvPr>
+          <p:cNvSpPr>
+            <a:spLocks noGrp="1"/>
+          </p:cNvSpPr>
+          <p:nvPr>
+            <p:ph type="title"/>
+          </p:nvPr>
+        </p:nvSpPr>
+        <p:spPr>
+          <a:xfrm>
+            <a:off x="1524000" y="1376362"/>
+            <a:ext cx="9144000" cy="2603274"/>
+          </a:xfrm>
+        </p:spPr>
+        <p:txBody>
+          <a:bodyPr vert="horz" lIns="91440" tIns="45720" rIns="91440" bIns="45720" rtlCol="0" anchor="b">
+            <a:normAutofit/>
+          </a:bodyPr>
+          <a:lstStyle/>
+          <a:p>
+            <a:pPr algn="ctr"/>
+            <a:r>
+              <a:rPr lang="en-US" sz="5400" kern="1200">
+                <a:solidFill>
+                  <a:schemeClr val="tx1"/>
+                </a:solidFill>
+                <a:latin typeface="+mj-lt"/>
+                <a:ea typeface="+mj-ea"/>
+                <a:cs typeface="+mj-cs"/>
+              </a:rPr>
+              <a:t>Vielen Dank!</a:t>
+            </a:r>
+          </a:p>
+        </p:txBody>
+      </p:sp>
+      <p:sp>
+        <p:nvSpPr>
+          <p:cNvPr id="3" name="Inhaltsplatzhalter 2">
+            <a:extLst>
+              <a:ext uri="{FF2B5EF4-FFF2-40B4-BE49-F238E27FC236}">
+                <a16:creationId xmlns:a16="http://schemas.microsoft.com/office/drawing/2014/main" id="{43426117-494C-45CD-A0D1-11E599A9FBB7}"/>
+              </a:ext>
+            </a:extLst>
+          </p:cNvPr>
+          <p:cNvSpPr>
+            <a:spLocks noGrp="1"/>
+          </p:cNvSpPr>
+          <p:nvPr>
+            <p:ph idx="1"/>
+          </p:nvPr>
+        </p:nvSpPr>
+        <p:spPr>
+          <a:xfrm>
+            <a:off x="1524000" y="4118088"/>
+            <a:ext cx="9144000" cy="1393711"/>
+          </a:xfrm>
+        </p:spPr>
+        <p:txBody>
+          <a:bodyPr vert="horz" lIns="91440" tIns="45720" rIns="91440" bIns="45720" rtlCol="0">
+            <a:normAutofit/>
+          </a:bodyPr>
+          <a:lstStyle/>
+          <a:p>
+            <a:pPr marL="0" indent="0" algn="ctr">
+              <a:buNone/>
+            </a:pPr>
+            <a:r>
+              <a:rPr lang="en-US" sz="2400" kern="1200" dirty="0" err="1">
+                <a:solidFill>
+                  <a:schemeClr val="tx1"/>
+                </a:solidFill>
+                <a:latin typeface="+mn-lt"/>
+                <a:ea typeface="+mn-ea"/>
+                <a:cs typeface="+mn-cs"/>
+                <a:hlinkClick r:id="rId3"/>
+              </a:rPr>
+              <a:t>Projekt</a:t>
+            </a:r>
+            <a:r>
+              <a:rPr lang="en-US" sz="2400" kern="1200" dirty="0">
+                <a:solidFill>
+                  <a:schemeClr val="tx1"/>
+                </a:solidFill>
+                <a:latin typeface="+mn-lt"/>
+                <a:ea typeface="+mn-ea"/>
+                <a:cs typeface="+mn-cs"/>
+                <a:hlinkClick r:id="rId3"/>
+              </a:rPr>
+              <a:t> auf </a:t>
+            </a:r>
+            <a:r>
+              <a:rPr lang="en-US" sz="2400" kern="1200" dirty="0" err="1">
+                <a:solidFill>
+                  <a:schemeClr val="tx1"/>
+                </a:solidFill>
+                <a:latin typeface="+mn-lt"/>
+                <a:ea typeface="+mn-ea"/>
+                <a:cs typeface="+mn-cs"/>
+                <a:hlinkClick r:id="rId3"/>
+              </a:rPr>
+              <a:t>Github</a:t>
+            </a:r>
+            <a:r>
+              <a:rPr lang="en-US" sz="2400" kern="1200" dirty="0">
+                <a:solidFill>
+                  <a:schemeClr val="tx1"/>
+                </a:solidFill>
+                <a:latin typeface="+mn-lt"/>
+                <a:ea typeface="+mn-ea"/>
+                <a:cs typeface="+mn-cs"/>
+                <a:hlinkClick r:id="rId3"/>
+              </a:rPr>
+              <a:t>: /VictorW96/KP-seminar-paper-</a:t>
+            </a:r>
+            <a:r>
+              <a:rPr lang="en-US" sz="2400" kern="1200" dirty="0" err="1">
+                <a:solidFill>
+                  <a:schemeClr val="tx1"/>
+                </a:solidFill>
+                <a:latin typeface="+mn-lt"/>
+                <a:ea typeface="+mn-ea"/>
+                <a:cs typeface="+mn-cs"/>
+                <a:hlinkClick r:id="rId3"/>
+              </a:rPr>
+              <a:t>Fsharp</a:t>
+            </a:r>
+            <a:endParaRPr lang="en-US" sz="2400" kern="1200" dirty="0">
+              <a:solidFill>
+                <a:schemeClr val="tx1"/>
+              </a:solidFill>
+              <a:latin typeface="+mn-lt"/>
+              <a:ea typeface="+mn-ea"/>
+              <a:cs typeface="+mn-cs"/>
+            </a:endParaRPr>
+          </a:p>
+        </p:txBody>
+      </p:sp>
+    </p:spTree>
+    <p:extLst>
+      <p:ext uri="{BB962C8B-B14F-4D97-AF65-F5344CB8AC3E}">
+        <p14:creationId xmlns:p14="http://schemas.microsoft.com/office/powerpoint/2010/main" val="4188089828"/>
+      </p:ext>
+    </p:extLst>
+  </p:cSld>
+  <p:clrMapOvr>
+    <a:masterClrMapping/>
+  </p:clrMapOvr>
+</p:sld>
+</file>
+
 <file path=ppt/slides/slide2.xml><?xml version="1.0" encoding="utf-8"?>
 <p:sld xmlns:a="http://schemas.openxmlformats.org/drawingml/2006/main" xmlns:r="http://schemas.openxmlformats.org/officeDocument/2006/relationships" xmlns:p="http://schemas.openxmlformats.org/presentationml/2006/main">
   <p:cSld>
@@ -5750,7 +7318,15 @@
             </a:r>
             <a:r>
               <a:rPr lang="de-DE" sz="2400" dirty="0"/>
-              <a:t> Operator</a:t>
+              <a:t> Operator </a:t>
+            </a:r>
+            <a:r>
+              <a:rPr lang="de-DE" sz="2400" dirty="0" err="1"/>
+              <a:t>z.B</a:t>
+            </a:r>
+            <a:r>
+              <a:rPr lang="de-DE" sz="2400" dirty="0"/>
+              <a:t> |&gt;, &gt;&gt;, &lt;&lt;</a:t>
             </a:r>
           </a:p>
           <a:p>
@@ -7654,7 +9230,7 @@
         </p:blipFill>
         <p:spPr>
           <a:xfrm>
-            <a:off x="4976031" y="3661434"/>
+            <a:off x="4976031" y="3665146"/>
             <a:ext cx="6377769" cy="229353"/>
           </a:xfrm>
           <a:prstGeom prst="rect">
@@ -7684,7 +9260,7 @@
         </p:blipFill>
         <p:spPr>
           <a:xfrm>
-            <a:off x="4976031" y="3906678"/>
+            <a:off x="4976031" y="3910390"/>
             <a:ext cx="6377768" cy="204018"/>
           </a:xfrm>
           <a:prstGeom prst="rect">
@@ -7865,6 +9441,653 @@
                                         <p:cTn id="17" dur="500"/>
                                         <p:tgtEl>
                                           <p:spTgt spid="5"/>
+                                        </p:tgtEl>
+                                      </p:cBhvr>
+                                    </p:animEffect>
+                                  </p:childTnLst>
+                                </p:cTn>
+                              </p:par>
+                            </p:childTnLst>
+                          </p:cTn>
+                        </p:par>
+                      </p:childTnLst>
+                    </p:cTn>
+                  </p:par>
+                </p:childTnLst>
+              </p:cTn>
+              <p:prevCondLst>
+                <p:cond evt="onPrev" delay="0">
+                  <p:tgtEl>
+                    <p:sldTgt/>
+                  </p:tgtEl>
+                </p:cond>
+              </p:prevCondLst>
+              <p:nextCondLst>
+                <p:cond evt="onNext" delay="0">
+                  <p:tgtEl>
+                    <p:sldTgt/>
+                  </p:tgtEl>
+                </p:cond>
+              </p:nextCondLst>
+            </p:seq>
+          </p:childTnLst>
+        </p:cTn>
+      </p:par>
+    </p:tnLst>
+    <p:bldLst>
+      <p:bldP spid="3" grpId="0" build="p"/>
+    </p:bldLst>
+  </p:timing>
+</p:sld>
+</file>
+
+<file path=ppt/slides/slide9.xml><?xml version="1.0" encoding="utf-8"?>
+<p:sld xmlns:a="http://schemas.openxmlformats.org/drawingml/2006/main" xmlns:r="http://schemas.openxmlformats.org/officeDocument/2006/relationships" xmlns:p="http://schemas.openxmlformats.org/presentationml/2006/main">
+  <p:cSld>
+    <p:bg>
+      <p:bgPr>
+        <a:solidFill>
+          <a:schemeClr val="bg1"/>
+        </a:solidFill>
+        <a:effectLst/>
+      </p:bgPr>
+    </p:bg>
+    <p:spTree>
+      <p:nvGrpSpPr>
+        <p:cNvPr id="1" name=""/>
+        <p:cNvGrpSpPr/>
+        <p:nvPr/>
+      </p:nvGrpSpPr>
+      <p:grpSpPr>
+        <a:xfrm>
+          <a:off x="0" y="0"/>
+          <a:ext cx="0" cy="0"/>
+          <a:chOff x="0" y="0"/>
+          <a:chExt cx="0" cy="0"/>
+        </a:xfrm>
+      </p:grpSpPr>
+      <p:sp>
+        <p:nvSpPr>
+          <p:cNvPr id="14" name="Rectangle 7">
+            <a:extLst>
+              <a:ext uri="{FF2B5EF4-FFF2-40B4-BE49-F238E27FC236}">
+                <a16:creationId xmlns:a16="http://schemas.microsoft.com/office/drawing/2014/main" id="{8D70B121-56F4-4848-B38B-182089D909FA}"/>
+              </a:ext>
+              <a:ext uri="{C183D7F6-B498-43B3-948B-1728B52AA6E4}">
+                <adec:decorative xmlns:adec="http://schemas.microsoft.com/office/drawing/2017/decorative" val="1"/>
+              </a:ext>
+            </a:extLst>
+          </p:cNvPr>
+          <p:cNvSpPr>
+            <a:spLocks noGrp="1" noRot="1" noChangeAspect="1" noMove="1" noResize="1" noEditPoints="1" noAdjustHandles="1" noChangeArrowheads="1" noChangeShapeType="1" noTextEdit="1"/>
+          </p:cNvSpPr>
+          <p:nvPr>
+            <p:extLst>
+              <p:ext uri="{386F3935-93C4-4BCD-93E2-E3B085C9AB24}">
+                <p16:designElem xmlns:p16="http://schemas.microsoft.com/office/powerpoint/2015/main" val="1"/>
+              </p:ext>
+            </p:extLst>
+          </p:nvPr>
+        </p:nvSpPr>
+        <p:spPr bwMode="ltGray">
+          <a:xfrm>
+            <a:off x="321564" y="320040"/>
+            <a:ext cx="11548872" cy="6217920"/>
+          </a:xfrm>
+          <a:prstGeom prst="rect">
+            <a:avLst/>
+          </a:prstGeom>
+          <a:solidFill>
+            <a:schemeClr val="tx1">
+              <a:alpha val="8000"/>
+            </a:schemeClr>
+          </a:solidFill>
+          <a:ln w="127000" cap="sq" cmpd="thinThick">
+            <a:noFill/>
+          </a:ln>
+        </p:spPr>
+        <p:style>
+          <a:lnRef idx="2">
+            <a:schemeClr val="accent1">
+              <a:shade val="50000"/>
+            </a:schemeClr>
+          </a:lnRef>
+          <a:fillRef idx="1">
+            <a:schemeClr val="accent1"/>
+          </a:fillRef>
+          <a:effectRef idx="0">
+            <a:schemeClr val="accent1"/>
+          </a:effectRef>
+          <a:fontRef idx="minor">
+            <a:schemeClr val="lt1"/>
+          </a:fontRef>
+        </p:style>
+        <p:txBody>
+          <a:bodyPr rtlCol="0" anchor="ctr"/>
+          <a:lstStyle/>
+          <a:p>
+            <a:pPr algn="ctr"/>
+            <a:endParaRPr lang="en-US"/>
+          </a:p>
+        </p:txBody>
+      </p:sp>
+      <p:sp>
+        <p:nvSpPr>
+          <p:cNvPr id="2" name="Titel 1">
+            <a:extLst>
+              <a:ext uri="{FF2B5EF4-FFF2-40B4-BE49-F238E27FC236}">
+                <a16:creationId xmlns:a16="http://schemas.microsoft.com/office/drawing/2014/main" id="{4424699D-DBE7-48EE-A890-8D3690A6890D}"/>
+              </a:ext>
+            </a:extLst>
+          </p:cNvPr>
+          <p:cNvSpPr>
+            <a:spLocks noGrp="1"/>
+          </p:cNvSpPr>
+          <p:nvPr>
+            <p:ph type="title"/>
+          </p:nvPr>
+        </p:nvSpPr>
+        <p:spPr>
+          <a:xfrm>
+            <a:off x="838200" y="963877"/>
+            <a:ext cx="3494362" cy="4930246"/>
+          </a:xfrm>
+        </p:spPr>
+        <p:txBody>
+          <a:bodyPr>
+            <a:normAutofit/>
+          </a:bodyPr>
+          <a:lstStyle/>
+          <a:p>
+            <a:pPr algn="r"/>
+            <a:r>
+              <a:rPr lang="de-DE" sz="3700">
+                <a:solidFill>
+                  <a:schemeClr val="accent1"/>
+                </a:solidFill>
+              </a:rPr>
+              <a:t>Boolean Parser - Implementierung</a:t>
+            </a:r>
+            <a:endParaRPr lang="en-GB" sz="3700">
+              <a:solidFill>
+                <a:schemeClr val="accent1"/>
+              </a:solidFill>
+            </a:endParaRPr>
+          </a:p>
+        </p:txBody>
+      </p:sp>
+      <p:cxnSp>
+        <p:nvCxnSpPr>
+          <p:cNvPr id="15" name="Straight Connector 9">
+            <a:extLst>
+              <a:ext uri="{FF2B5EF4-FFF2-40B4-BE49-F238E27FC236}">
+                <a16:creationId xmlns:a16="http://schemas.microsoft.com/office/drawing/2014/main" id="{2D72A2C9-F3CA-4216-8BAD-FA4C970C3C4E}"/>
+              </a:ext>
+              <a:ext uri="{C183D7F6-B498-43B3-948B-1728B52AA6E4}">
+                <adec:decorative xmlns:adec="http://schemas.microsoft.com/office/drawing/2017/decorative" val="1"/>
+              </a:ext>
+            </a:extLst>
+          </p:cNvPr>
+          <p:cNvCxnSpPr>
+            <a:cxnSpLocks noGrp="1" noRot="1" noChangeAspect="1" noMove="1" noResize="1" noEditPoints="1" noAdjustHandles="1" noChangeArrowheads="1" noChangeShapeType="1"/>
+          </p:cNvCxnSpPr>
+          <p:nvPr>
+            <p:extLst>
+              <p:ext uri="{386F3935-93C4-4BCD-93E2-E3B085C9AB24}">
+                <p16:designElem xmlns:p16="http://schemas.microsoft.com/office/powerpoint/2015/main" val="1"/>
+              </p:ext>
+            </p:extLst>
+          </p:nvPr>
+        </p:nvCxnSpPr>
+        <p:spPr>
+          <a:xfrm>
+            <a:off x="4654296" y="2057400"/>
+            <a:ext cx="0" cy="2743200"/>
+          </a:xfrm>
+          <a:prstGeom prst="line">
+            <a:avLst/>
+          </a:prstGeom>
+          <a:ln w="19050">
+            <a:solidFill>
+              <a:schemeClr val="tx1">
+                <a:lumMod val="85000"/>
+                <a:lumOff val="15000"/>
+              </a:schemeClr>
+            </a:solidFill>
+          </a:ln>
+        </p:spPr>
+        <p:style>
+          <a:lnRef idx="1">
+            <a:schemeClr val="accent1"/>
+          </a:lnRef>
+          <a:fillRef idx="0">
+            <a:schemeClr val="accent1"/>
+          </a:fillRef>
+          <a:effectRef idx="0">
+            <a:schemeClr val="accent1"/>
+          </a:effectRef>
+          <a:fontRef idx="minor">
+            <a:schemeClr val="tx1"/>
+          </a:fontRef>
+        </p:style>
+      </p:cxnSp>
+      <p:sp>
+        <p:nvSpPr>
+          <p:cNvPr id="3" name="Inhaltsplatzhalter 2">
+            <a:extLst>
+              <a:ext uri="{FF2B5EF4-FFF2-40B4-BE49-F238E27FC236}">
+                <a16:creationId xmlns:a16="http://schemas.microsoft.com/office/drawing/2014/main" id="{97A6F620-7A3A-435F-8555-CAC1B07A322A}"/>
+              </a:ext>
+            </a:extLst>
+          </p:cNvPr>
+          <p:cNvSpPr>
+            <a:spLocks noGrp="1"/>
+          </p:cNvSpPr>
+          <p:nvPr>
+            <p:ph idx="1"/>
+          </p:nvPr>
+        </p:nvSpPr>
+        <p:spPr>
+          <a:xfrm>
+            <a:off x="4976031" y="963877"/>
+            <a:ext cx="6377769" cy="4930246"/>
+          </a:xfrm>
+        </p:spPr>
+        <p:txBody>
+          <a:bodyPr anchor="ctr">
+            <a:normAutofit/>
+          </a:bodyPr>
+          <a:lstStyle/>
+          <a:p>
+            <a:pPr marL="0" indent="0">
+              <a:buNone/>
+            </a:pPr>
+            <a:r>
+              <a:rPr lang="en-GB" sz="2400" dirty="0"/>
+              <a:t>&lt;expression&gt; ::= &lt;term&gt; { &lt;or&gt; &lt;term&gt; }</a:t>
+            </a:r>
+          </a:p>
+          <a:p>
+            <a:pPr marL="0" indent="0">
+              <a:buNone/>
+            </a:pPr>
+            <a:r>
+              <a:rPr lang="en-GB" sz="2400" dirty="0"/>
+              <a:t>&lt;term&gt; ::= &lt;factor&gt; { &lt;and&gt; &lt;factor&gt; }</a:t>
+            </a:r>
+          </a:p>
+          <a:p>
+            <a:pPr marL="0" indent="0">
+              <a:buNone/>
+            </a:pPr>
+            <a:r>
+              <a:rPr lang="en-GB" sz="2400" dirty="0"/>
+              <a:t>&lt;factor&gt; ::= &lt;var&gt; | &lt;not&gt; &lt;factor&gt;|	(&lt;expression&gt;)</a:t>
+            </a:r>
+          </a:p>
+          <a:p>
+            <a:pPr marL="0" indent="0">
+              <a:buNone/>
+            </a:pPr>
+            <a:r>
+              <a:rPr lang="en-GB" sz="2400" dirty="0"/>
+              <a:t>&lt;or&gt;  ::= '|'</a:t>
+            </a:r>
+          </a:p>
+          <a:p>
+            <a:pPr marL="0" indent="0">
+              <a:buNone/>
+            </a:pPr>
+            <a:r>
+              <a:rPr lang="en-GB" sz="2400" dirty="0"/>
+              <a:t>&lt;and&gt; ::= '&amp;'</a:t>
+            </a:r>
+          </a:p>
+          <a:p>
+            <a:pPr marL="0" indent="0">
+              <a:buNone/>
+            </a:pPr>
+            <a:r>
+              <a:rPr lang="en-GB" sz="2400" dirty="0"/>
+              <a:t>&lt;not&gt; ::= ‘!’</a:t>
+            </a:r>
+          </a:p>
+          <a:p>
+            <a:pPr marL="0" indent="0">
+              <a:buNone/>
+            </a:pPr>
+            <a:r>
+              <a:rPr lang="en-GB" sz="2400" dirty="0"/>
+              <a:t>&lt;var&gt; ::= '[a-zA-Z0-9]*'</a:t>
+            </a:r>
+          </a:p>
+        </p:txBody>
+      </p:sp>
+    </p:spTree>
+    <p:extLst>
+      <p:ext uri="{BB962C8B-B14F-4D97-AF65-F5344CB8AC3E}">
+        <p14:creationId xmlns:p14="http://schemas.microsoft.com/office/powerpoint/2010/main" val="2996435231"/>
+      </p:ext>
+    </p:extLst>
+  </p:cSld>
+  <p:clrMapOvr>
+    <a:masterClrMapping/>
+  </p:clrMapOvr>
+  <p:timing>
+    <p:tnLst>
+      <p:par>
+        <p:cTn id="1" dur="indefinite" restart="never" nodeType="tmRoot">
+          <p:childTnLst>
+            <p:seq concurrent="1" nextAc="seek">
+              <p:cTn id="2" dur="indefinite" nodeType="mainSeq">
+                <p:childTnLst>
+                  <p:par>
+                    <p:cTn id="3" fill="hold">
+                      <p:stCondLst>
+                        <p:cond delay="indefinite"/>
+                      </p:stCondLst>
+                      <p:childTnLst>
+                        <p:par>
+                          <p:cTn id="4" fill="hold">
+                            <p:stCondLst>
+                              <p:cond delay="0"/>
+                            </p:stCondLst>
+                            <p:childTnLst>
+                              <p:par>
+                                <p:cTn id="5" presetID="10" presetClass="entr" presetSubtype="0" fill="hold" grpId="0" nodeType="clickEffect">
+                                  <p:stCondLst>
+                                    <p:cond delay="0"/>
+                                  </p:stCondLst>
+                                  <p:childTnLst>
+                                    <p:set>
+                                      <p:cBhvr>
+                                        <p:cTn id="6" dur="1" fill="hold">
+                                          <p:stCondLst>
+                                            <p:cond delay="0"/>
+                                          </p:stCondLst>
+                                        </p:cTn>
+                                        <p:tgtEl>
+                                          <p:spTgt spid="3">
+                                            <p:txEl>
+                                              <p:pRg st="0" end="0"/>
+                                            </p:txEl>
+                                          </p:spTgt>
+                                        </p:tgtEl>
+                                        <p:attrNameLst>
+                                          <p:attrName>style.visibility</p:attrName>
+                                        </p:attrNameLst>
+                                      </p:cBhvr>
+                                      <p:to>
+                                        <p:strVal val="visible"/>
+                                      </p:to>
+                                    </p:set>
+                                    <p:animEffect transition="in" filter="fade">
+                                      <p:cBhvr>
+                                        <p:cTn id="7" dur="500"/>
+                                        <p:tgtEl>
+                                          <p:spTgt spid="3">
+                                            <p:txEl>
+                                              <p:pRg st="0" end="0"/>
+                                            </p:txEl>
+                                          </p:spTgt>
+                                        </p:tgtEl>
+                                      </p:cBhvr>
+                                    </p:animEffect>
+                                  </p:childTnLst>
+                                </p:cTn>
+                              </p:par>
+                              <p:par>
+                                <p:cTn id="8" presetID="10" presetClass="entr" presetSubtype="0" fill="hold" grpId="0" nodeType="withEffect">
+                                  <p:stCondLst>
+                                    <p:cond delay="0"/>
+                                  </p:stCondLst>
+                                  <p:childTnLst>
+                                    <p:set>
+                                      <p:cBhvr>
+                                        <p:cTn id="9" dur="1" fill="hold">
+                                          <p:stCondLst>
+                                            <p:cond delay="0"/>
+                                          </p:stCondLst>
+                                        </p:cTn>
+                                        <p:tgtEl>
+                                          <p:spTgt spid="3">
+                                            <p:txEl>
+                                              <p:pRg st="1" end="1"/>
+                                            </p:txEl>
+                                          </p:spTgt>
+                                        </p:tgtEl>
+                                        <p:attrNameLst>
+                                          <p:attrName>style.visibility</p:attrName>
+                                        </p:attrNameLst>
+                                      </p:cBhvr>
+                                      <p:to>
+                                        <p:strVal val="visible"/>
+                                      </p:to>
+                                    </p:set>
+                                    <p:animEffect transition="in" filter="fade">
+                                      <p:cBhvr>
+                                        <p:cTn id="10" dur="500"/>
+                                        <p:tgtEl>
+                                          <p:spTgt spid="3">
+                                            <p:txEl>
+                                              <p:pRg st="1" end="1"/>
+                                            </p:txEl>
+                                          </p:spTgt>
+                                        </p:tgtEl>
+                                      </p:cBhvr>
+                                    </p:animEffect>
+                                  </p:childTnLst>
+                                </p:cTn>
+                              </p:par>
+                              <p:par>
+                                <p:cTn id="11" presetID="10" presetClass="entr" presetSubtype="0" fill="hold" grpId="0" nodeType="withEffect">
+                                  <p:stCondLst>
+                                    <p:cond delay="0"/>
+                                  </p:stCondLst>
+                                  <p:childTnLst>
+                                    <p:set>
+                                      <p:cBhvr>
+                                        <p:cTn id="12" dur="1" fill="hold">
+                                          <p:stCondLst>
+                                            <p:cond delay="0"/>
+                                          </p:stCondLst>
+                                        </p:cTn>
+                                        <p:tgtEl>
+                                          <p:spTgt spid="3">
+                                            <p:txEl>
+                                              <p:pRg st="2" end="2"/>
+                                            </p:txEl>
+                                          </p:spTgt>
+                                        </p:tgtEl>
+                                        <p:attrNameLst>
+                                          <p:attrName>style.visibility</p:attrName>
+                                        </p:attrNameLst>
+                                      </p:cBhvr>
+                                      <p:to>
+                                        <p:strVal val="visible"/>
+                                      </p:to>
+                                    </p:set>
+                                    <p:animEffect transition="in" filter="fade">
+                                      <p:cBhvr>
+                                        <p:cTn id="13" dur="500"/>
+                                        <p:tgtEl>
+                                          <p:spTgt spid="3">
+                                            <p:txEl>
+                                              <p:pRg st="2" end="2"/>
+                                            </p:txEl>
+                                          </p:spTgt>
+                                        </p:tgtEl>
+                                      </p:cBhvr>
+                                    </p:animEffect>
+                                  </p:childTnLst>
+                                </p:cTn>
+                              </p:par>
+                              <p:par>
+                                <p:cTn id="14" presetID="10" presetClass="entr" presetSubtype="0" fill="hold" grpId="0" nodeType="withEffect">
+                                  <p:stCondLst>
+                                    <p:cond delay="0"/>
+                                  </p:stCondLst>
+                                  <p:childTnLst>
+                                    <p:set>
+                                      <p:cBhvr>
+                                        <p:cTn id="15" dur="1" fill="hold">
+                                          <p:stCondLst>
+                                            <p:cond delay="0"/>
+                                          </p:stCondLst>
+                                        </p:cTn>
+                                        <p:tgtEl>
+                                          <p:spTgt spid="3">
+                                            <p:txEl>
+                                              <p:pRg st="3" end="3"/>
+                                            </p:txEl>
+                                          </p:spTgt>
+                                        </p:tgtEl>
+                                        <p:attrNameLst>
+                                          <p:attrName>style.visibility</p:attrName>
+                                        </p:attrNameLst>
+                                      </p:cBhvr>
+                                      <p:to>
+                                        <p:strVal val="visible"/>
+                                      </p:to>
+                                    </p:set>
+                                    <p:animEffect transition="in" filter="fade">
+                                      <p:cBhvr>
+                                        <p:cTn id="16" dur="500"/>
+                                        <p:tgtEl>
+                                          <p:spTgt spid="3">
+                                            <p:txEl>
+                                              <p:pRg st="3" end="3"/>
+                                            </p:txEl>
+                                          </p:spTgt>
+                                        </p:tgtEl>
+                                      </p:cBhvr>
+                                    </p:animEffect>
+                                  </p:childTnLst>
+                                </p:cTn>
+                              </p:par>
+                              <p:par>
+                                <p:cTn id="17" presetID="10" presetClass="entr" presetSubtype="0" fill="hold" grpId="0" nodeType="withEffect">
+                                  <p:stCondLst>
+                                    <p:cond delay="0"/>
+                                  </p:stCondLst>
+                                  <p:childTnLst>
+                                    <p:set>
+                                      <p:cBhvr>
+                                        <p:cTn id="18" dur="1" fill="hold">
+                                          <p:stCondLst>
+                                            <p:cond delay="0"/>
+                                          </p:stCondLst>
+                                        </p:cTn>
+                                        <p:tgtEl>
+                                          <p:spTgt spid="3">
+                                            <p:txEl>
+                                              <p:pRg st="4" end="4"/>
+                                            </p:txEl>
+                                          </p:spTgt>
+                                        </p:tgtEl>
+                                        <p:attrNameLst>
+                                          <p:attrName>style.visibility</p:attrName>
+                                        </p:attrNameLst>
+                                      </p:cBhvr>
+                                      <p:to>
+                                        <p:strVal val="visible"/>
+                                      </p:to>
+                                    </p:set>
+                                    <p:animEffect transition="in" filter="fade">
+                                      <p:cBhvr>
+                                        <p:cTn id="19" dur="500"/>
+                                        <p:tgtEl>
+                                          <p:spTgt spid="3">
+                                            <p:txEl>
+                                              <p:pRg st="4" end="4"/>
+                                            </p:txEl>
+                                          </p:spTgt>
+                                        </p:tgtEl>
+                                      </p:cBhvr>
+                                    </p:animEffect>
+                                  </p:childTnLst>
+                                </p:cTn>
+                              </p:par>
+                              <p:par>
+                                <p:cTn id="20" presetID="10" presetClass="entr" presetSubtype="0" fill="hold" grpId="0" nodeType="withEffect">
+                                  <p:stCondLst>
+                                    <p:cond delay="0"/>
+                                  </p:stCondLst>
+                                  <p:childTnLst>
+                                    <p:set>
+                                      <p:cBhvr>
+                                        <p:cTn id="21" dur="1" fill="hold">
+                                          <p:stCondLst>
+                                            <p:cond delay="0"/>
+                                          </p:stCondLst>
+                                        </p:cTn>
+                                        <p:tgtEl>
+                                          <p:spTgt spid="3">
+                                            <p:txEl>
+                                              <p:pRg st="5" end="5"/>
+                                            </p:txEl>
+                                          </p:spTgt>
+                                        </p:tgtEl>
+                                        <p:attrNameLst>
+                                          <p:attrName>style.visibility</p:attrName>
+                                        </p:attrNameLst>
+                                      </p:cBhvr>
+                                      <p:to>
+                                        <p:strVal val="visible"/>
+                                      </p:to>
+                                    </p:set>
+                                    <p:animEffect transition="in" filter="fade">
+                                      <p:cBhvr>
+                                        <p:cTn id="22" dur="500"/>
+                                        <p:tgtEl>
+                                          <p:spTgt spid="3">
+                                            <p:txEl>
+                                              <p:pRg st="5" end="5"/>
+                                            </p:txEl>
+                                          </p:spTgt>
+                                        </p:tgtEl>
+                                      </p:cBhvr>
+                                    </p:animEffect>
+                                  </p:childTnLst>
+                                </p:cTn>
+                              </p:par>
+                              <p:par>
+                                <p:cTn id="23" presetID="10" presetClass="entr" presetSubtype="0" fill="hold" grpId="0" nodeType="withEffect">
+                                  <p:stCondLst>
+                                    <p:cond delay="0"/>
+                                  </p:stCondLst>
+                                  <p:childTnLst>
+                                    <p:set>
+                                      <p:cBhvr>
+                                        <p:cTn id="24" dur="1" fill="hold">
+                                          <p:stCondLst>
+                                            <p:cond delay="0"/>
+                                          </p:stCondLst>
+                                        </p:cTn>
+                                        <p:tgtEl>
+                                          <p:spTgt spid="3">
+                                            <p:txEl>
+                                              <p:pRg st="6" end="6"/>
+                                            </p:txEl>
+                                          </p:spTgt>
+                                        </p:tgtEl>
+                                        <p:attrNameLst>
+                                          <p:attrName>style.visibility</p:attrName>
+                                        </p:attrNameLst>
+                                      </p:cBhvr>
+                                      <p:to>
+                                        <p:strVal val="visible"/>
+                                      </p:to>
+                                    </p:set>
+                                    <p:animEffect transition="in" filter="fade">
+                                      <p:cBhvr>
+                                        <p:cTn id="25" dur="500"/>
+                                        <p:tgtEl>
+                                          <p:spTgt spid="3">
+                                            <p:txEl>
+                                              <p:pRg st="6" end="6"/>
+                                            </p:txEl>
+                                          </p:spTgt>
                                         </p:tgtEl>
                                       </p:cBhvr>
                                     </p:animEffect>

--- a/Presentation/BooleanParserinF#.pptx
+++ b/Presentation/BooleanParserinF#.pptx
@@ -1,6 +1,6 @@
 
 <file path=ppt/presentation.xml><?xml version="1.0" encoding="utf-8"?>
-<p:presentation xmlns:a="http://schemas.openxmlformats.org/drawingml/2006/main" xmlns:r="http://schemas.openxmlformats.org/officeDocument/2006/relationships" xmlns:p="http://schemas.openxmlformats.org/presentationml/2006/main" saveSubsetFonts="1">
+<p:presentation xmlns:a="http://schemas.openxmlformats.org/drawingml/2006/main" xmlns:r="http://schemas.openxmlformats.org/officeDocument/2006/relationships" xmlns:p="http://schemas.openxmlformats.org/presentationml/2006/main" showSpecialPlsOnTitleSld="0" saveSubsetFonts="1">
   <p:sldMasterIdLst>
     <p:sldMasterId id="2147483648" r:id="rId1"/>
   </p:sldMasterIdLst>
@@ -207,7 +207,7 @@
           <a:p>
             <a:fld id="{B5F7F72C-93B1-4C30-A431-7AF314232D3E}" type="datetimeFigureOut">
               <a:rPr lang="en-GB" smtClean="0"/>
-              <a:t>29/12/2019</a:t>
+              <a:t>30/12/2019</a:t>
             </a:fld>
             <a:endParaRPr lang="en-GB"/>
           </a:p>
@@ -1772,9 +1772,9 @@
           <a:bodyPr/>
           <a:lstStyle/>
           <a:p>
-            <a:fld id="{39E6A078-677C-4CB6-9893-D68F5A68EF5B}" type="datetimeFigureOut">
+            <a:fld id="{61D4535F-889F-4CF3-B740-99153D0B83F2}" type="datetime1">
               <a:rPr lang="en-GB" smtClean="0"/>
-              <a:t>29/12/2019</a:t>
+              <a:t>30/12/2019</a:t>
             </a:fld>
             <a:endParaRPr lang="en-GB"/>
           </a:p>
@@ -1801,7 +1801,10 @@
           <a:bodyPr/>
           <a:lstStyle/>
           <a:p>
-            <a:endParaRPr lang="en-GB"/>
+            <a:r>
+              <a:rPr lang="en-GB"/>
+              <a:t>Victor Wolf - MatNr 845615</a:t>
+            </a:r>
           </a:p>
         </p:txBody>
       </p:sp>
@@ -1972,9 +1975,9 @@
           <a:bodyPr/>
           <a:lstStyle/>
           <a:p>
-            <a:fld id="{39E6A078-677C-4CB6-9893-D68F5A68EF5B}" type="datetimeFigureOut">
+            <a:fld id="{69F76CB3-659B-4090-BEFE-D0164519000F}" type="datetime1">
               <a:rPr lang="en-GB" smtClean="0"/>
-              <a:t>29/12/2019</a:t>
+              <a:t>30/12/2019</a:t>
             </a:fld>
             <a:endParaRPr lang="en-GB"/>
           </a:p>
@@ -2001,7 +2004,10 @@
           <a:bodyPr/>
           <a:lstStyle/>
           <a:p>
-            <a:endParaRPr lang="en-GB"/>
+            <a:r>
+              <a:rPr lang="en-GB"/>
+              <a:t>Victor Wolf - MatNr 845615</a:t>
+            </a:r>
           </a:p>
         </p:txBody>
       </p:sp>
@@ -2182,9 +2188,9 @@
           <a:bodyPr/>
           <a:lstStyle/>
           <a:p>
-            <a:fld id="{39E6A078-677C-4CB6-9893-D68F5A68EF5B}" type="datetimeFigureOut">
+            <a:fld id="{3BA35888-C0C6-446B-9C13-7F7338F219B2}" type="datetime1">
               <a:rPr lang="en-GB" smtClean="0"/>
-              <a:t>29/12/2019</a:t>
+              <a:t>30/12/2019</a:t>
             </a:fld>
             <a:endParaRPr lang="en-GB"/>
           </a:p>
@@ -2211,7 +2217,10 @@
           <a:bodyPr/>
           <a:lstStyle/>
           <a:p>
-            <a:endParaRPr lang="en-GB"/>
+            <a:r>
+              <a:rPr lang="en-GB"/>
+              <a:t>Victor Wolf - MatNr 845615</a:t>
+            </a:r>
           </a:p>
         </p:txBody>
       </p:sp>
@@ -2377,14 +2386,19 @@
             <p:ph type="dt" sz="half" idx="10"/>
           </p:nvPr>
         </p:nvSpPr>
-        <p:spPr/>
+        <p:spPr>
+          <a:xfrm>
+            <a:off x="838200" y="6484284"/>
+            <a:ext cx="2743200" cy="365125"/>
+          </a:xfrm>
+        </p:spPr>
         <p:txBody>
           <a:bodyPr/>
           <a:lstStyle/>
           <a:p>
-            <a:fld id="{39E6A078-677C-4CB6-9893-D68F5A68EF5B}" type="datetimeFigureOut">
+            <a:fld id="{29391A91-726C-407C-8836-F73955B12CE9}" type="datetime1">
               <a:rPr lang="en-GB" smtClean="0"/>
-              <a:t>29/12/2019</a:t>
+              <a:t>30/12/2019</a:t>
             </a:fld>
             <a:endParaRPr lang="en-GB"/>
           </a:p>
@@ -2406,12 +2420,20 @@
             <p:ph type="ftr" sz="quarter" idx="11"/>
           </p:nvPr>
         </p:nvSpPr>
-        <p:spPr/>
+        <p:spPr>
+          <a:xfrm>
+            <a:off x="4038600" y="6484283"/>
+            <a:ext cx="4114800" cy="365125"/>
+          </a:xfrm>
+        </p:spPr>
         <p:txBody>
           <a:bodyPr/>
           <a:lstStyle/>
           <a:p>
-            <a:endParaRPr lang="en-GB"/>
+            <a:r>
+              <a:rPr lang="en-GB"/>
+              <a:t>Victor Wolf - MatNr 845615</a:t>
+            </a:r>
           </a:p>
         </p:txBody>
       </p:sp>
@@ -2431,7 +2453,12 @@
             <p:ph type="sldNum" sz="quarter" idx="12"/>
           </p:nvPr>
         </p:nvSpPr>
-        <p:spPr/>
+        <p:spPr>
+          <a:xfrm>
+            <a:off x="8610600" y="6492875"/>
+            <a:ext cx="2743200" cy="365125"/>
+          </a:xfrm>
+        </p:spPr>
         <p:txBody>
           <a:bodyPr/>
           <a:lstStyle/>
@@ -2658,9 +2685,9 @@
           <a:bodyPr/>
           <a:lstStyle/>
           <a:p>
-            <a:fld id="{39E6A078-677C-4CB6-9893-D68F5A68EF5B}" type="datetimeFigureOut">
+            <a:fld id="{1D46EAA3-347B-4208-B5B9-ADC1C0928C5D}" type="datetime1">
               <a:rPr lang="en-GB" smtClean="0"/>
-              <a:t>29/12/2019</a:t>
+              <a:t>30/12/2019</a:t>
             </a:fld>
             <a:endParaRPr lang="en-GB"/>
           </a:p>
@@ -2687,7 +2714,10 @@
           <a:bodyPr/>
           <a:lstStyle/>
           <a:p>
-            <a:endParaRPr lang="en-GB"/>
+            <a:r>
+              <a:rPr lang="en-GB"/>
+              <a:t>Victor Wolf - MatNr 845615</a:t>
+            </a:r>
           </a:p>
         </p:txBody>
       </p:sp>
@@ -2926,9 +2956,9 @@
           <a:bodyPr/>
           <a:lstStyle/>
           <a:p>
-            <a:fld id="{39E6A078-677C-4CB6-9893-D68F5A68EF5B}" type="datetimeFigureOut">
+            <a:fld id="{6321F761-FA19-4B9B-B1F3-B05D80D698CC}" type="datetime1">
               <a:rPr lang="en-GB" smtClean="0"/>
-              <a:t>29/12/2019</a:t>
+              <a:t>30/12/2019</a:t>
             </a:fld>
             <a:endParaRPr lang="en-GB"/>
           </a:p>
@@ -2955,7 +2985,10 @@
           <a:bodyPr/>
           <a:lstStyle/>
           <a:p>
-            <a:endParaRPr lang="en-GB"/>
+            <a:r>
+              <a:rPr lang="en-GB"/>
+              <a:t>Victor Wolf - MatNr 845615</a:t>
+            </a:r>
           </a:p>
         </p:txBody>
       </p:sp>
@@ -3341,9 +3374,9 @@
           <a:bodyPr/>
           <a:lstStyle/>
           <a:p>
-            <a:fld id="{39E6A078-677C-4CB6-9893-D68F5A68EF5B}" type="datetimeFigureOut">
+            <a:fld id="{AB2D5BC0-B8FF-438E-A95E-C88051D02133}" type="datetime1">
               <a:rPr lang="en-GB" smtClean="0"/>
-              <a:t>29/12/2019</a:t>
+              <a:t>30/12/2019</a:t>
             </a:fld>
             <a:endParaRPr lang="en-GB"/>
           </a:p>
@@ -3370,7 +3403,10 @@
           <a:bodyPr/>
           <a:lstStyle/>
           <a:p>
-            <a:endParaRPr lang="en-GB"/>
+            <a:r>
+              <a:rPr lang="en-GB"/>
+              <a:t>Victor Wolf - MatNr 845615</a:t>
+            </a:r>
           </a:p>
         </p:txBody>
       </p:sp>
@@ -3483,9 +3519,9 @@
           <a:bodyPr/>
           <a:lstStyle/>
           <a:p>
-            <a:fld id="{39E6A078-677C-4CB6-9893-D68F5A68EF5B}" type="datetimeFigureOut">
+            <a:fld id="{45061522-ED27-45B7-9ECA-D5CBAABF5999}" type="datetime1">
               <a:rPr lang="en-GB" smtClean="0"/>
-              <a:t>29/12/2019</a:t>
+              <a:t>30/12/2019</a:t>
             </a:fld>
             <a:endParaRPr lang="en-GB"/>
           </a:p>
@@ -3512,7 +3548,10 @@
           <a:bodyPr/>
           <a:lstStyle/>
           <a:p>
-            <a:endParaRPr lang="en-GB"/>
+            <a:r>
+              <a:rPr lang="en-GB"/>
+              <a:t>Victor Wolf - MatNr 845615</a:t>
+            </a:r>
           </a:p>
         </p:txBody>
       </p:sp>
@@ -3596,9 +3635,9 @@
           <a:bodyPr/>
           <a:lstStyle/>
           <a:p>
-            <a:fld id="{39E6A078-677C-4CB6-9893-D68F5A68EF5B}" type="datetimeFigureOut">
+            <a:fld id="{93E8CC27-69DD-42B6-9C52-AC419A0AE450}" type="datetime1">
               <a:rPr lang="en-GB" smtClean="0"/>
-              <a:t>29/12/2019</a:t>
+              <a:t>30/12/2019</a:t>
             </a:fld>
             <a:endParaRPr lang="en-GB"/>
           </a:p>
@@ -3625,7 +3664,10 @@
           <a:bodyPr/>
           <a:lstStyle/>
           <a:p>
-            <a:endParaRPr lang="en-GB"/>
+            <a:r>
+              <a:rPr lang="en-GB"/>
+              <a:t>Victor Wolf - MatNr 845615</a:t>
+            </a:r>
           </a:p>
         </p:txBody>
       </p:sp>
@@ -3909,9 +3951,9 @@
           <a:bodyPr/>
           <a:lstStyle/>
           <a:p>
-            <a:fld id="{39E6A078-677C-4CB6-9893-D68F5A68EF5B}" type="datetimeFigureOut">
+            <a:fld id="{CB5C99DE-6A62-4D14-8E17-6F3A613267CA}" type="datetime1">
               <a:rPr lang="en-GB" smtClean="0"/>
-              <a:t>29/12/2019</a:t>
+              <a:t>30/12/2019</a:t>
             </a:fld>
             <a:endParaRPr lang="en-GB"/>
           </a:p>
@@ -3938,7 +3980,10 @@
           <a:bodyPr/>
           <a:lstStyle/>
           <a:p>
-            <a:endParaRPr lang="en-GB"/>
+            <a:r>
+              <a:rPr lang="en-GB"/>
+              <a:t>Victor Wolf - MatNr 845615</a:t>
+            </a:r>
           </a:p>
         </p:txBody>
       </p:sp>
@@ -4198,9 +4243,9 @@
           <a:bodyPr/>
           <a:lstStyle/>
           <a:p>
-            <a:fld id="{39E6A078-677C-4CB6-9893-D68F5A68EF5B}" type="datetimeFigureOut">
+            <a:fld id="{DBFF9122-AE36-4348-91C4-EC077B0AC373}" type="datetime1">
               <a:rPr lang="en-GB" smtClean="0"/>
-              <a:t>29/12/2019</a:t>
+              <a:t>30/12/2019</a:t>
             </a:fld>
             <a:endParaRPr lang="en-GB"/>
           </a:p>
@@ -4227,7 +4272,10 @@
           <a:bodyPr/>
           <a:lstStyle/>
           <a:p>
-            <a:endParaRPr lang="en-GB"/>
+            <a:r>
+              <a:rPr lang="en-GB"/>
+              <a:t>Victor Wolf - MatNr 845615</a:t>
+            </a:r>
           </a:p>
         </p:txBody>
       </p:sp>
@@ -4420,7 +4468,7 @@
         </p:nvSpPr>
         <p:spPr>
           <a:xfrm>
-            <a:off x="838200" y="6356350"/>
+            <a:off x="838200" y="6484284"/>
             <a:ext cx="2743200" cy="365125"/>
           </a:xfrm>
           <a:prstGeom prst="rect">
@@ -4441,9 +4489,9 @@
             </a:lvl1pPr>
           </a:lstStyle>
           <a:p>
-            <a:fld id="{39E6A078-677C-4CB6-9893-D68F5A68EF5B}" type="datetimeFigureOut">
+            <a:fld id="{DFCE9D5C-2EDB-49E1-A3B2-A44C0C03E6A7}" type="datetime1">
               <a:rPr lang="en-GB" smtClean="0"/>
-              <a:t>29/12/2019</a:t>
+              <a:t>30/12/2019</a:t>
             </a:fld>
             <a:endParaRPr lang="en-GB"/>
           </a:p>
@@ -4467,7 +4515,7 @@
         </p:nvSpPr>
         <p:spPr>
           <a:xfrm>
-            <a:off x="4038600" y="6356350"/>
+            <a:off x="4038600" y="6484283"/>
             <a:ext cx="4114800" cy="365125"/>
           </a:xfrm>
           <a:prstGeom prst="rect">
@@ -4488,7 +4536,10 @@
             </a:lvl1pPr>
           </a:lstStyle>
           <a:p>
-            <a:endParaRPr lang="en-GB"/>
+            <a:r>
+              <a:rPr lang="en-GB"/>
+              <a:t>Victor Wolf - MatNr 845615</a:t>
+            </a:r>
           </a:p>
         </p:txBody>
       </p:sp>
@@ -4510,7 +4561,7 @@
         </p:nvSpPr>
         <p:spPr>
           <a:xfrm>
-            <a:off x="8610600" y="6356350"/>
+            <a:off x="8610600" y="6492875"/>
             <a:ext cx="2743200" cy="365125"/>
           </a:xfrm>
           <a:prstGeom prst="rect">
@@ -4560,6 +4611,7 @@
     <p:sldLayoutId id="2147483658" r:id="rId10"/>
     <p:sldLayoutId id="2147483659" r:id="rId11"/>
   </p:sldLayoutIdLst>
+  <p:hf hdr="0"/>
   <p:txStyles>
     <p:titleStyle>
       <a:lvl1pPr algn="l" defTabSz="914400" rtl="0" eaLnBrk="1" latinLnBrk="0" hangingPunct="1">
@@ -5444,6 +5496,92 @@
               <a:rPr lang="en-GB" sz="2400" dirty="0"/>
               <a:t>Boolean Parser</a:t>
             </a:r>
+          </a:p>
+        </p:txBody>
+      </p:sp>
+      <p:sp>
+        <p:nvSpPr>
+          <p:cNvPr id="6" name="Datumsplatzhalter 5">
+            <a:extLst>
+              <a:ext uri="{FF2B5EF4-FFF2-40B4-BE49-F238E27FC236}">
+                <a16:creationId xmlns:a16="http://schemas.microsoft.com/office/drawing/2014/main" id="{708E4B94-83AE-4917-8F41-8D8DE3269B07}"/>
+              </a:ext>
+            </a:extLst>
+          </p:cNvPr>
+          <p:cNvSpPr>
+            <a:spLocks noGrp="1"/>
+          </p:cNvSpPr>
+          <p:nvPr>
+            <p:ph type="dt" sz="half" idx="10"/>
+          </p:nvPr>
+        </p:nvSpPr>
+        <p:spPr/>
+        <p:txBody>
+          <a:bodyPr/>
+          <a:lstStyle/>
+          <a:p>
+            <a:fld id="{1F959CA3-1F6F-4674-961B-77DB0A8D01DE}" type="datetime1">
+              <a:rPr lang="en-GB" smtClean="0"/>
+              <a:t>30/12/2019</a:t>
+            </a:fld>
+            <a:endParaRPr lang="en-GB"/>
+          </a:p>
+        </p:txBody>
+      </p:sp>
+      <p:sp>
+        <p:nvSpPr>
+          <p:cNvPr id="7" name="Fußzeilenplatzhalter 6">
+            <a:extLst>
+              <a:ext uri="{FF2B5EF4-FFF2-40B4-BE49-F238E27FC236}">
+                <a16:creationId xmlns:a16="http://schemas.microsoft.com/office/drawing/2014/main" id="{599533AF-E848-4B95-8F12-28D85FD36212}"/>
+              </a:ext>
+            </a:extLst>
+          </p:cNvPr>
+          <p:cNvSpPr>
+            <a:spLocks noGrp="1"/>
+          </p:cNvSpPr>
+          <p:nvPr>
+            <p:ph type="ftr" sz="quarter" idx="11"/>
+          </p:nvPr>
+        </p:nvSpPr>
+        <p:spPr/>
+        <p:txBody>
+          <a:bodyPr/>
+          <a:lstStyle/>
+          <a:p>
+            <a:r>
+              <a:rPr lang="en-GB"/>
+              <a:t>Victor Wolf - MatNr 845615</a:t>
+            </a:r>
+          </a:p>
+        </p:txBody>
+      </p:sp>
+      <p:sp>
+        <p:nvSpPr>
+          <p:cNvPr id="9" name="Foliennummernplatzhalter 8">
+            <a:extLst>
+              <a:ext uri="{FF2B5EF4-FFF2-40B4-BE49-F238E27FC236}">
+                <a16:creationId xmlns:a16="http://schemas.microsoft.com/office/drawing/2014/main" id="{87FCBE7D-C697-4B12-90C3-E9CB6AD3E66C}"/>
+              </a:ext>
+            </a:extLst>
+          </p:cNvPr>
+          <p:cNvSpPr>
+            <a:spLocks noGrp="1"/>
+          </p:cNvSpPr>
+          <p:nvPr>
+            <p:ph type="sldNum" sz="quarter" idx="12"/>
+          </p:nvPr>
+        </p:nvSpPr>
+        <p:spPr/>
+        <p:txBody>
+          <a:bodyPr/>
+          <a:lstStyle/>
+          <a:p>
+            <a:fld id="{11BA1389-55AA-48E4-BB51-AE5D4C2954F7}" type="slidenum">
+              <a:rPr lang="en-GB" smtClean="0"/>
+              <a:t>10</a:t>
+            </a:fld>
+            <a:endParaRPr lang="en-GB"/>
           </a:p>
         </p:txBody>
       </p:sp>
@@ -6229,6 +6367,92 @@
           </a:p>
         </p:txBody>
       </p:sp>
+      <p:sp>
+        <p:nvSpPr>
+          <p:cNvPr id="6" name="Datumsplatzhalter 5">
+            <a:extLst>
+              <a:ext uri="{FF2B5EF4-FFF2-40B4-BE49-F238E27FC236}">
+                <a16:creationId xmlns:a16="http://schemas.microsoft.com/office/drawing/2014/main" id="{9F3DECF4-FCF9-44B5-9F8E-1CA920EFF556}"/>
+              </a:ext>
+            </a:extLst>
+          </p:cNvPr>
+          <p:cNvSpPr>
+            <a:spLocks noGrp="1"/>
+          </p:cNvSpPr>
+          <p:nvPr>
+            <p:ph type="dt" sz="half" idx="10"/>
+          </p:nvPr>
+        </p:nvSpPr>
+        <p:spPr/>
+        <p:txBody>
+          <a:bodyPr/>
+          <a:lstStyle/>
+          <a:p>
+            <a:fld id="{F58062F6-24AA-4E17-8BBC-4F7D1D4EB478}" type="datetime1">
+              <a:rPr lang="en-GB" smtClean="0"/>
+              <a:t>30/12/2019</a:t>
+            </a:fld>
+            <a:endParaRPr lang="en-GB"/>
+          </a:p>
+        </p:txBody>
+      </p:sp>
+      <p:sp>
+        <p:nvSpPr>
+          <p:cNvPr id="7" name="Fußzeilenplatzhalter 6">
+            <a:extLst>
+              <a:ext uri="{FF2B5EF4-FFF2-40B4-BE49-F238E27FC236}">
+                <a16:creationId xmlns:a16="http://schemas.microsoft.com/office/drawing/2014/main" id="{7B81BC78-2137-41CB-B386-1DBFFCE04337}"/>
+              </a:ext>
+            </a:extLst>
+          </p:cNvPr>
+          <p:cNvSpPr>
+            <a:spLocks noGrp="1"/>
+          </p:cNvSpPr>
+          <p:nvPr>
+            <p:ph type="ftr" sz="quarter" idx="11"/>
+          </p:nvPr>
+        </p:nvSpPr>
+        <p:spPr/>
+        <p:txBody>
+          <a:bodyPr/>
+          <a:lstStyle/>
+          <a:p>
+            <a:r>
+              <a:rPr lang="en-GB"/>
+              <a:t>Victor Wolf - MatNr 845615</a:t>
+            </a:r>
+          </a:p>
+        </p:txBody>
+      </p:sp>
+      <p:sp>
+        <p:nvSpPr>
+          <p:cNvPr id="8" name="Foliennummernplatzhalter 7">
+            <a:extLst>
+              <a:ext uri="{FF2B5EF4-FFF2-40B4-BE49-F238E27FC236}">
+                <a16:creationId xmlns:a16="http://schemas.microsoft.com/office/drawing/2014/main" id="{EC064E53-AA81-4F88-8034-02C7119475DD}"/>
+              </a:ext>
+            </a:extLst>
+          </p:cNvPr>
+          <p:cNvSpPr>
+            <a:spLocks noGrp="1"/>
+          </p:cNvSpPr>
+          <p:nvPr>
+            <p:ph type="sldNum" sz="quarter" idx="12"/>
+          </p:nvPr>
+        </p:nvSpPr>
+        <p:spPr/>
+        <p:txBody>
+          <a:bodyPr/>
+          <a:lstStyle/>
+          <a:p>
+            <a:fld id="{11BA1389-55AA-48E4-BB51-AE5D4C2954F7}" type="slidenum">
+              <a:rPr lang="en-GB" smtClean="0"/>
+              <a:t>11</a:t>
+            </a:fld>
+            <a:endParaRPr lang="en-GB"/>
+          </a:p>
+        </p:txBody>
+      </p:sp>
     </p:spTree>
     <p:extLst>
       <p:ext uri="{BB962C8B-B14F-4D97-AF65-F5344CB8AC3E}">
@@ -6502,6 +6726,92 @@
           </a:p>
         </p:txBody>
       </p:sp>
+      <p:sp>
+        <p:nvSpPr>
+          <p:cNvPr id="5" name="Datumsplatzhalter 4">
+            <a:extLst>
+              <a:ext uri="{FF2B5EF4-FFF2-40B4-BE49-F238E27FC236}">
+                <a16:creationId xmlns:a16="http://schemas.microsoft.com/office/drawing/2014/main" id="{68D79DD6-8C14-406A-BF84-A4824DA95610}"/>
+              </a:ext>
+            </a:extLst>
+          </p:cNvPr>
+          <p:cNvSpPr>
+            <a:spLocks noGrp="1"/>
+          </p:cNvSpPr>
+          <p:nvPr>
+            <p:ph type="dt" sz="half" idx="10"/>
+          </p:nvPr>
+        </p:nvSpPr>
+        <p:spPr/>
+        <p:txBody>
+          <a:bodyPr/>
+          <a:lstStyle/>
+          <a:p>
+            <a:fld id="{37B478AD-02C2-43C0-9CDB-C528B42145FF}" type="datetime1">
+              <a:rPr lang="en-GB" smtClean="0"/>
+              <a:t>30/12/2019</a:t>
+            </a:fld>
+            <a:endParaRPr lang="en-GB"/>
+          </a:p>
+        </p:txBody>
+      </p:sp>
+      <p:sp>
+        <p:nvSpPr>
+          <p:cNvPr id="6" name="Fußzeilenplatzhalter 5">
+            <a:extLst>
+              <a:ext uri="{FF2B5EF4-FFF2-40B4-BE49-F238E27FC236}">
+                <a16:creationId xmlns:a16="http://schemas.microsoft.com/office/drawing/2014/main" id="{9E2AFF7B-F937-443B-AAF3-CA870361885F}"/>
+              </a:ext>
+            </a:extLst>
+          </p:cNvPr>
+          <p:cNvSpPr>
+            <a:spLocks noGrp="1"/>
+          </p:cNvSpPr>
+          <p:nvPr>
+            <p:ph type="ftr" sz="quarter" idx="11"/>
+          </p:nvPr>
+        </p:nvSpPr>
+        <p:spPr/>
+        <p:txBody>
+          <a:bodyPr/>
+          <a:lstStyle/>
+          <a:p>
+            <a:r>
+              <a:rPr lang="en-GB"/>
+              <a:t>Victor Wolf - MatNr 845615</a:t>
+            </a:r>
+          </a:p>
+        </p:txBody>
+      </p:sp>
+      <p:sp>
+        <p:nvSpPr>
+          <p:cNvPr id="7" name="Foliennummernplatzhalter 6">
+            <a:extLst>
+              <a:ext uri="{FF2B5EF4-FFF2-40B4-BE49-F238E27FC236}">
+                <a16:creationId xmlns:a16="http://schemas.microsoft.com/office/drawing/2014/main" id="{6305CEDB-1215-4BA5-A6F5-968BFEDA0E5F}"/>
+              </a:ext>
+            </a:extLst>
+          </p:cNvPr>
+          <p:cNvSpPr>
+            <a:spLocks noGrp="1"/>
+          </p:cNvSpPr>
+          <p:nvPr>
+            <p:ph type="sldNum" sz="quarter" idx="12"/>
+          </p:nvPr>
+        </p:nvSpPr>
+        <p:spPr/>
+        <p:txBody>
+          <a:bodyPr/>
+          <a:lstStyle/>
+          <a:p>
+            <a:fld id="{11BA1389-55AA-48E4-BB51-AE5D4C2954F7}" type="slidenum">
+              <a:rPr lang="en-GB" smtClean="0"/>
+              <a:t>2</a:t>
+            </a:fld>
+            <a:endParaRPr lang="en-GB"/>
+          </a:p>
+        </p:txBody>
+      </p:sp>
     </p:spTree>
     <p:extLst>
       <p:ext uri="{BB962C8B-B14F-4D97-AF65-F5344CB8AC3E}">
@@ -6772,6 +7082,92 @@
               <a:t>Ocaml</a:t>
             </a:r>
             <a:endParaRPr lang="en-GB" sz="2400" dirty="0"/>
+          </a:p>
+        </p:txBody>
+      </p:sp>
+      <p:sp>
+        <p:nvSpPr>
+          <p:cNvPr id="6" name="Datumsplatzhalter 5">
+            <a:extLst>
+              <a:ext uri="{FF2B5EF4-FFF2-40B4-BE49-F238E27FC236}">
+                <a16:creationId xmlns:a16="http://schemas.microsoft.com/office/drawing/2014/main" id="{ADA87825-6235-4A2E-AABB-D1ABA9DE5E8A}"/>
+              </a:ext>
+            </a:extLst>
+          </p:cNvPr>
+          <p:cNvSpPr>
+            <a:spLocks noGrp="1"/>
+          </p:cNvSpPr>
+          <p:nvPr>
+            <p:ph type="dt" sz="half" idx="10"/>
+          </p:nvPr>
+        </p:nvSpPr>
+        <p:spPr/>
+        <p:txBody>
+          <a:bodyPr/>
+          <a:lstStyle/>
+          <a:p>
+            <a:fld id="{C440AC04-26E4-446E-8F2E-4A73FB87A0B7}" type="datetime1">
+              <a:rPr lang="en-GB" smtClean="0"/>
+              <a:t>30/12/2019</a:t>
+            </a:fld>
+            <a:endParaRPr lang="en-GB"/>
+          </a:p>
+        </p:txBody>
+      </p:sp>
+      <p:sp>
+        <p:nvSpPr>
+          <p:cNvPr id="7" name="Fußzeilenplatzhalter 6">
+            <a:extLst>
+              <a:ext uri="{FF2B5EF4-FFF2-40B4-BE49-F238E27FC236}">
+                <a16:creationId xmlns:a16="http://schemas.microsoft.com/office/drawing/2014/main" id="{ECB8F6CE-6312-4304-BC8A-12BFF3E1564A}"/>
+              </a:ext>
+            </a:extLst>
+          </p:cNvPr>
+          <p:cNvSpPr>
+            <a:spLocks noGrp="1"/>
+          </p:cNvSpPr>
+          <p:nvPr>
+            <p:ph type="ftr" sz="quarter" idx="11"/>
+          </p:nvPr>
+        </p:nvSpPr>
+        <p:spPr/>
+        <p:txBody>
+          <a:bodyPr/>
+          <a:lstStyle/>
+          <a:p>
+            <a:r>
+              <a:rPr lang="en-GB"/>
+              <a:t>Victor Wolf - MatNr 845615</a:t>
+            </a:r>
+          </a:p>
+        </p:txBody>
+      </p:sp>
+      <p:sp>
+        <p:nvSpPr>
+          <p:cNvPr id="9" name="Foliennummernplatzhalter 8">
+            <a:extLst>
+              <a:ext uri="{FF2B5EF4-FFF2-40B4-BE49-F238E27FC236}">
+                <a16:creationId xmlns:a16="http://schemas.microsoft.com/office/drawing/2014/main" id="{0499CC5C-4B8C-4879-B706-8367E5094C03}"/>
+              </a:ext>
+            </a:extLst>
+          </p:cNvPr>
+          <p:cNvSpPr>
+            <a:spLocks noGrp="1"/>
+          </p:cNvSpPr>
+          <p:nvPr>
+            <p:ph type="sldNum" sz="quarter" idx="12"/>
+          </p:nvPr>
+        </p:nvSpPr>
+        <p:spPr/>
+        <p:txBody>
+          <a:bodyPr/>
+          <a:lstStyle/>
+          <a:p>
+            <a:fld id="{11BA1389-55AA-48E4-BB51-AE5D4C2954F7}" type="slidenum">
+              <a:rPr lang="en-GB" smtClean="0"/>
+              <a:t>3</a:t>
+            </a:fld>
+            <a:endParaRPr lang="en-GB"/>
           </a:p>
         </p:txBody>
       </p:sp>
@@ -7335,6 +7731,92 @@
               <a:t>Types</a:t>
             </a:r>
             <a:endParaRPr lang="en-GB" sz="2400" dirty="0"/>
+          </a:p>
+        </p:txBody>
+      </p:sp>
+      <p:sp>
+        <p:nvSpPr>
+          <p:cNvPr id="6" name="Datumsplatzhalter 5">
+            <a:extLst>
+              <a:ext uri="{FF2B5EF4-FFF2-40B4-BE49-F238E27FC236}">
+                <a16:creationId xmlns:a16="http://schemas.microsoft.com/office/drawing/2014/main" id="{2611BB07-B3AC-4A3E-9BB6-3304D7F2C2A5}"/>
+              </a:ext>
+            </a:extLst>
+          </p:cNvPr>
+          <p:cNvSpPr>
+            <a:spLocks noGrp="1"/>
+          </p:cNvSpPr>
+          <p:nvPr>
+            <p:ph type="dt" sz="half" idx="10"/>
+          </p:nvPr>
+        </p:nvSpPr>
+        <p:spPr/>
+        <p:txBody>
+          <a:bodyPr/>
+          <a:lstStyle/>
+          <a:p>
+            <a:fld id="{52A7A01C-BC66-4A2F-93BC-62ACFE53DCDE}" type="datetime1">
+              <a:rPr lang="en-GB" smtClean="0"/>
+              <a:t>30/12/2019</a:t>
+            </a:fld>
+            <a:endParaRPr lang="en-GB"/>
+          </a:p>
+        </p:txBody>
+      </p:sp>
+      <p:sp>
+        <p:nvSpPr>
+          <p:cNvPr id="7" name="Fußzeilenplatzhalter 6">
+            <a:extLst>
+              <a:ext uri="{FF2B5EF4-FFF2-40B4-BE49-F238E27FC236}">
+                <a16:creationId xmlns:a16="http://schemas.microsoft.com/office/drawing/2014/main" id="{14A2924F-4CA9-409B-86E2-2845E69D4A1E}"/>
+              </a:ext>
+            </a:extLst>
+          </p:cNvPr>
+          <p:cNvSpPr>
+            <a:spLocks noGrp="1"/>
+          </p:cNvSpPr>
+          <p:nvPr>
+            <p:ph type="ftr" sz="quarter" idx="11"/>
+          </p:nvPr>
+        </p:nvSpPr>
+        <p:spPr/>
+        <p:txBody>
+          <a:bodyPr/>
+          <a:lstStyle/>
+          <a:p>
+            <a:r>
+              <a:rPr lang="en-GB"/>
+              <a:t>Victor Wolf - MatNr 845615</a:t>
+            </a:r>
+          </a:p>
+        </p:txBody>
+      </p:sp>
+      <p:sp>
+        <p:nvSpPr>
+          <p:cNvPr id="9" name="Foliennummernplatzhalter 8">
+            <a:extLst>
+              <a:ext uri="{FF2B5EF4-FFF2-40B4-BE49-F238E27FC236}">
+                <a16:creationId xmlns:a16="http://schemas.microsoft.com/office/drawing/2014/main" id="{EBD10DBE-0338-49C0-AF9C-40474EAB889D}"/>
+              </a:ext>
+            </a:extLst>
+          </p:cNvPr>
+          <p:cNvSpPr>
+            <a:spLocks noGrp="1"/>
+          </p:cNvSpPr>
+          <p:nvPr>
+            <p:ph type="sldNum" sz="quarter" idx="12"/>
+          </p:nvPr>
+        </p:nvSpPr>
+        <p:spPr/>
+        <p:txBody>
+          <a:bodyPr/>
+          <a:lstStyle/>
+          <a:p>
+            <a:fld id="{11BA1389-55AA-48E4-BB51-AE5D4C2954F7}" type="slidenum">
+              <a:rPr lang="en-GB" smtClean="0"/>
+              <a:t>4</a:t>
+            </a:fld>
+            <a:endParaRPr lang="en-GB"/>
           </a:p>
         </p:txBody>
       </p:sp>
@@ -7966,6 +8448,92 @@
           </a:prstGeom>
         </p:spPr>
       </p:pic>
+      <p:sp>
+        <p:nvSpPr>
+          <p:cNvPr id="5" name="Datumsplatzhalter 4">
+            <a:extLst>
+              <a:ext uri="{FF2B5EF4-FFF2-40B4-BE49-F238E27FC236}">
+                <a16:creationId xmlns:a16="http://schemas.microsoft.com/office/drawing/2014/main" id="{61E08B08-8996-4480-86E8-1D91271A42F9}"/>
+              </a:ext>
+            </a:extLst>
+          </p:cNvPr>
+          <p:cNvSpPr>
+            <a:spLocks noGrp="1"/>
+          </p:cNvSpPr>
+          <p:nvPr>
+            <p:ph type="dt" sz="half" idx="10"/>
+          </p:nvPr>
+        </p:nvSpPr>
+        <p:spPr/>
+        <p:txBody>
+          <a:bodyPr/>
+          <a:lstStyle/>
+          <a:p>
+            <a:fld id="{F89A40BE-99CF-416D-A9DD-088A78AC6F3B}" type="datetime1">
+              <a:rPr lang="en-GB" smtClean="0"/>
+              <a:t>30/12/2019</a:t>
+            </a:fld>
+            <a:endParaRPr lang="en-GB"/>
+          </a:p>
+        </p:txBody>
+      </p:sp>
+      <p:sp>
+        <p:nvSpPr>
+          <p:cNvPr id="6" name="Fußzeilenplatzhalter 5">
+            <a:extLst>
+              <a:ext uri="{FF2B5EF4-FFF2-40B4-BE49-F238E27FC236}">
+                <a16:creationId xmlns:a16="http://schemas.microsoft.com/office/drawing/2014/main" id="{DD96E8DE-EF7D-4B42-B202-7DA3B070E085}"/>
+              </a:ext>
+            </a:extLst>
+          </p:cNvPr>
+          <p:cNvSpPr>
+            <a:spLocks noGrp="1"/>
+          </p:cNvSpPr>
+          <p:nvPr>
+            <p:ph type="ftr" sz="quarter" idx="11"/>
+          </p:nvPr>
+        </p:nvSpPr>
+        <p:spPr/>
+        <p:txBody>
+          <a:bodyPr/>
+          <a:lstStyle/>
+          <a:p>
+            <a:r>
+              <a:rPr lang="en-GB"/>
+              <a:t>Victor Wolf - MatNr 845615</a:t>
+            </a:r>
+          </a:p>
+        </p:txBody>
+      </p:sp>
+      <p:sp>
+        <p:nvSpPr>
+          <p:cNvPr id="7" name="Foliennummernplatzhalter 6">
+            <a:extLst>
+              <a:ext uri="{FF2B5EF4-FFF2-40B4-BE49-F238E27FC236}">
+                <a16:creationId xmlns:a16="http://schemas.microsoft.com/office/drawing/2014/main" id="{B3F934E4-1118-414B-89BF-C83AA02CFA30}"/>
+              </a:ext>
+            </a:extLst>
+          </p:cNvPr>
+          <p:cNvSpPr>
+            <a:spLocks noGrp="1"/>
+          </p:cNvSpPr>
+          <p:nvPr>
+            <p:ph type="sldNum" sz="quarter" idx="12"/>
+          </p:nvPr>
+        </p:nvSpPr>
+        <p:spPr/>
+        <p:txBody>
+          <a:bodyPr/>
+          <a:lstStyle/>
+          <a:p>
+            <a:fld id="{11BA1389-55AA-48E4-BB51-AE5D4C2954F7}" type="slidenum">
+              <a:rPr lang="en-GB" smtClean="0"/>
+              <a:t>5</a:t>
+            </a:fld>
+            <a:endParaRPr lang="en-GB"/>
+          </a:p>
+        </p:txBody>
+      </p:sp>
     </p:spTree>
     <p:extLst>
       <p:ext uri="{BB962C8B-B14F-4D97-AF65-F5344CB8AC3E}">
@@ -8405,6 +8973,92 @@
           </a:prstGeom>
         </p:spPr>
       </p:pic>
+      <p:sp>
+        <p:nvSpPr>
+          <p:cNvPr id="6" name="Datumsplatzhalter 5">
+            <a:extLst>
+              <a:ext uri="{FF2B5EF4-FFF2-40B4-BE49-F238E27FC236}">
+                <a16:creationId xmlns:a16="http://schemas.microsoft.com/office/drawing/2014/main" id="{9114B032-D7B4-411F-8EA8-DFD9554BDA33}"/>
+              </a:ext>
+            </a:extLst>
+          </p:cNvPr>
+          <p:cNvSpPr>
+            <a:spLocks noGrp="1"/>
+          </p:cNvSpPr>
+          <p:nvPr>
+            <p:ph type="dt" sz="half" idx="10"/>
+          </p:nvPr>
+        </p:nvSpPr>
+        <p:spPr/>
+        <p:txBody>
+          <a:bodyPr/>
+          <a:lstStyle/>
+          <a:p>
+            <a:fld id="{FCB5A986-1BD0-4FF5-9D61-5FB88DA2AC6E}" type="datetime1">
+              <a:rPr lang="en-GB" smtClean="0"/>
+              <a:t>30/12/2019</a:t>
+            </a:fld>
+            <a:endParaRPr lang="en-GB"/>
+          </a:p>
+        </p:txBody>
+      </p:sp>
+      <p:sp>
+        <p:nvSpPr>
+          <p:cNvPr id="7" name="Fußzeilenplatzhalter 6">
+            <a:extLst>
+              <a:ext uri="{FF2B5EF4-FFF2-40B4-BE49-F238E27FC236}">
+                <a16:creationId xmlns:a16="http://schemas.microsoft.com/office/drawing/2014/main" id="{105B3E62-21CA-49CD-8F6C-3CBAC5F6F327}"/>
+              </a:ext>
+            </a:extLst>
+          </p:cNvPr>
+          <p:cNvSpPr>
+            <a:spLocks noGrp="1"/>
+          </p:cNvSpPr>
+          <p:nvPr>
+            <p:ph type="ftr" sz="quarter" idx="11"/>
+          </p:nvPr>
+        </p:nvSpPr>
+        <p:spPr/>
+        <p:txBody>
+          <a:bodyPr/>
+          <a:lstStyle/>
+          <a:p>
+            <a:r>
+              <a:rPr lang="en-GB"/>
+              <a:t>Victor Wolf - MatNr 845615</a:t>
+            </a:r>
+          </a:p>
+        </p:txBody>
+      </p:sp>
+      <p:sp>
+        <p:nvSpPr>
+          <p:cNvPr id="8" name="Foliennummernplatzhalter 7">
+            <a:extLst>
+              <a:ext uri="{FF2B5EF4-FFF2-40B4-BE49-F238E27FC236}">
+                <a16:creationId xmlns:a16="http://schemas.microsoft.com/office/drawing/2014/main" id="{56BBD21C-B237-4CEC-90D9-4300973D769A}"/>
+              </a:ext>
+            </a:extLst>
+          </p:cNvPr>
+          <p:cNvSpPr>
+            <a:spLocks noGrp="1"/>
+          </p:cNvSpPr>
+          <p:nvPr>
+            <p:ph type="sldNum" sz="quarter" idx="12"/>
+          </p:nvPr>
+        </p:nvSpPr>
+        <p:spPr/>
+        <p:txBody>
+          <a:bodyPr/>
+          <a:lstStyle/>
+          <a:p>
+            <a:fld id="{11BA1389-55AA-48E4-BB51-AE5D4C2954F7}" type="slidenum">
+              <a:rPr lang="en-GB" smtClean="0"/>
+              <a:t>6</a:t>
+            </a:fld>
+            <a:endParaRPr lang="en-GB"/>
+          </a:p>
+        </p:txBody>
+      </p:sp>
     </p:spTree>
     <p:extLst>
       <p:ext uri="{BB962C8B-B14F-4D97-AF65-F5344CB8AC3E}">
@@ -8807,6 +9461,92 @@
           </a:p>
           <a:p>
             <a:endParaRPr lang="en-GB" sz="2400" dirty="0"/>
+          </a:p>
+        </p:txBody>
+      </p:sp>
+      <p:sp>
+        <p:nvSpPr>
+          <p:cNvPr id="5" name="Datumsplatzhalter 4">
+            <a:extLst>
+              <a:ext uri="{FF2B5EF4-FFF2-40B4-BE49-F238E27FC236}">
+                <a16:creationId xmlns:a16="http://schemas.microsoft.com/office/drawing/2014/main" id="{AB23F136-1E27-47CB-9FA2-8D6D55B50ECF}"/>
+              </a:ext>
+            </a:extLst>
+          </p:cNvPr>
+          <p:cNvSpPr>
+            <a:spLocks noGrp="1"/>
+          </p:cNvSpPr>
+          <p:nvPr>
+            <p:ph type="dt" sz="half" idx="10"/>
+          </p:nvPr>
+        </p:nvSpPr>
+        <p:spPr/>
+        <p:txBody>
+          <a:bodyPr/>
+          <a:lstStyle/>
+          <a:p>
+            <a:fld id="{9146036F-EEFE-4824-AD90-90A36ACA89DC}" type="datetime1">
+              <a:rPr lang="en-GB" smtClean="0"/>
+              <a:t>30/12/2019</a:t>
+            </a:fld>
+            <a:endParaRPr lang="en-GB"/>
+          </a:p>
+        </p:txBody>
+      </p:sp>
+      <p:sp>
+        <p:nvSpPr>
+          <p:cNvPr id="6" name="Fußzeilenplatzhalter 5">
+            <a:extLst>
+              <a:ext uri="{FF2B5EF4-FFF2-40B4-BE49-F238E27FC236}">
+                <a16:creationId xmlns:a16="http://schemas.microsoft.com/office/drawing/2014/main" id="{FBEA74A8-E33F-457D-98A2-7ACF74FB9936}"/>
+              </a:ext>
+            </a:extLst>
+          </p:cNvPr>
+          <p:cNvSpPr>
+            <a:spLocks noGrp="1"/>
+          </p:cNvSpPr>
+          <p:nvPr>
+            <p:ph type="ftr" sz="quarter" idx="11"/>
+          </p:nvPr>
+        </p:nvSpPr>
+        <p:spPr/>
+        <p:txBody>
+          <a:bodyPr/>
+          <a:lstStyle/>
+          <a:p>
+            <a:r>
+              <a:rPr lang="en-GB"/>
+              <a:t>Victor Wolf - MatNr 845615</a:t>
+            </a:r>
+          </a:p>
+        </p:txBody>
+      </p:sp>
+      <p:sp>
+        <p:nvSpPr>
+          <p:cNvPr id="7" name="Foliennummernplatzhalter 6">
+            <a:extLst>
+              <a:ext uri="{FF2B5EF4-FFF2-40B4-BE49-F238E27FC236}">
+                <a16:creationId xmlns:a16="http://schemas.microsoft.com/office/drawing/2014/main" id="{415B1B12-35FF-4CE9-B07D-36B0FB1E5916}"/>
+              </a:ext>
+            </a:extLst>
+          </p:cNvPr>
+          <p:cNvSpPr>
+            <a:spLocks noGrp="1"/>
+          </p:cNvSpPr>
+          <p:nvPr>
+            <p:ph type="sldNum" sz="quarter" idx="12"/>
+          </p:nvPr>
+        </p:nvSpPr>
+        <p:spPr/>
+        <p:txBody>
+          <a:bodyPr/>
+          <a:lstStyle/>
+          <a:p>
+            <a:fld id="{11BA1389-55AA-48E4-BB51-AE5D4C2954F7}" type="slidenum">
+              <a:rPr lang="en-GB" smtClean="0"/>
+              <a:t>7</a:t>
+            </a:fld>
+            <a:endParaRPr lang="en-GB"/>
           </a:p>
         </p:txBody>
       </p:sp>
@@ -9268,6 +10008,92 @@
           </a:prstGeom>
         </p:spPr>
       </p:pic>
+      <p:sp>
+        <p:nvSpPr>
+          <p:cNvPr id="9" name="Datumsplatzhalter 8">
+            <a:extLst>
+              <a:ext uri="{FF2B5EF4-FFF2-40B4-BE49-F238E27FC236}">
+                <a16:creationId xmlns:a16="http://schemas.microsoft.com/office/drawing/2014/main" id="{09C2E874-7DB3-463C-924D-144679662DD2}"/>
+              </a:ext>
+            </a:extLst>
+          </p:cNvPr>
+          <p:cNvSpPr>
+            <a:spLocks noGrp="1"/>
+          </p:cNvSpPr>
+          <p:nvPr>
+            <p:ph type="dt" sz="half" idx="10"/>
+          </p:nvPr>
+        </p:nvSpPr>
+        <p:spPr/>
+        <p:txBody>
+          <a:bodyPr/>
+          <a:lstStyle/>
+          <a:p>
+            <a:fld id="{B5CEC8D7-7696-467D-A987-AF20463A9087}" type="datetime1">
+              <a:rPr lang="en-GB" smtClean="0"/>
+              <a:t>30/12/2019</a:t>
+            </a:fld>
+            <a:endParaRPr lang="en-GB"/>
+          </a:p>
+        </p:txBody>
+      </p:sp>
+      <p:sp>
+        <p:nvSpPr>
+          <p:cNvPr id="11" name="Fußzeilenplatzhalter 10">
+            <a:extLst>
+              <a:ext uri="{FF2B5EF4-FFF2-40B4-BE49-F238E27FC236}">
+                <a16:creationId xmlns:a16="http://schemas.microsoft.com/office/drawing/2014/main" id="{94575426-7E6E-4167-A3B3-53F69D457B24}"/>
+              </a:ext>
+            </a:extLst>
+          </p:cNvPr>
+          <p:cNvSpPr>
+            <a:spLocks noGrp="1"/>
+          </p:cNvSpPr>
+          <p:nvPr>
+            <p:ph type="ftr" sz="quarter" idx="11"/>
+          </p:nvPr>
+        </p:nvSpPr>
+        <p:spPr/>
+        <p:txBody>
+          <a:bodyPr/>
+          <a:lstStyle/>
+          <a:p>
+            <a:r>
+              <a:rPr lang="en-GB"/>
+              <a:t>Victor Wolf - MatNr 845615</a:t>
+            </a:r>
+          </a:p>
+        </p:txBody>
+      </p:sp>
+      <p:sp>
+        <p:nvSpPr>
+          <p:cNvPr id="12" name="Foliennummernplatzhalter 11">
+            <a:extLst>
+              <a:ext uri="{FF2B5EF4-FFF2-40B4-BE49-F238E27FC236}">
+                <a16:creationId xmlns:a16="http://schemas.microsoft.com/office/drawing/2014/main" id="{E0D94011-5C65-4465-9D74-930C22E627BC}"/>
+              </a:ext>
+            </a:extLst>
+          </p:cNvPr>
+          <p:cNvSpPr>
+            <a:spLocks noGrp="1"/>
+          </p:cNvSpPr>
+          <p:nvPr>
+            <p:ph type="sldNum" sz="quarter" idx="12"/>
+          </p:nvPr>
+        </p:nvSpPr>
+        <p:spPr/>
+        <p:txBody>
+          <a:bodyPr/>
+          <a:lstStyle/>
+          <a:p>
+            <a:fld id="{11BA1389-55AA-48E4-BB51-AE5D4C2954F7}" type="slidenum">
+              <a:rPr lang="en-GB" smtClean="0"/>
+              <a:t>8</a:t>
+            </a:fld>
+            <a:endParaRPr lang="en-GB"/>
+          </a:p>
+        </p:txBody>
+      </p:sp>
     </p:spTree>
     <p:extLst>
       <p:ext uri="{BB962C8B-B14F-4D97-AF65-F5344CB8AC3E}">
@@ -9760,6 +10586,92 @@
               <a:rPr lang="en-GB" sz="2400" dirty="0"/>
               <a:t>&lt;var&gt; ::= '[a-zA-Z0-9]*'</a:t>
             </a:r>
+          </a:p>
+        </p:txBody>
+      </p:sp>
+      <p:sp>
+        <p:nvSpPr>
+          <p:cNvPr id="6" name="Datumsplatzhalter 5">
+            <a:extLst>
+              <a:ext uri="{FF2B5EF4-FFF2-40B4-BE49-F238E27FC236}">
+                <a16:creationId xmlns:a16="http://schemas.microsoft.com/office/drawing/2014/main" id="{486FCB04-EBF4-4356-B40D-430F26FCF281}"/>
+              </a:ext>
+            </a:extLst>
+          </p:cNvPr>
+          <p:cNvSpPr>
+            <a:spLocks noGrp="1"/>
+          </p:cNvSpPr>
+          <p:nvPr>
+            <p:ph type="dt" sz="half" idx="10"/>
+          </p:nvPr>
+        </p:nvSpPr>
+        <p:spPr/>
+        <p:txBody>
+          <a:bodyPr/>
+          <a:lstStyle/>
+          <a:p>
+            <a:fld id="{24551EB4-E8B3-4646-9F2B-19D0EED5C840}" type="datetime1">
+              <a:rPr lang="en-GB" smtClean="0"/>
+              <a:t>30/12/2019</a:t>
+            </a:fld>
+            <a:endParaRPr lang="en-GB"/>
+          </a:p>
+        </p:txBody>
+      </p:sp>
+      <p:sp>
+        <p:nvSpPr>
+          <p:cNvPr id="7" name="Fußzeilenplatzhalter 6">
+            <a:extLst>
+              <a:ext uri="{FF2B5EF4-FFF2-40B4-BE49-F238E27FC236}">
+                <a16:creationId xmlns:a16="http://schemas.microsoft.com/office/drawing/2014/main" id="{859DAEB5-9389-4D01-8E74-0E0BD8EFD72F}"/>
+              </a:ext>
+            </a:extLst>
+          </p:cNvPr>
+          <p:cNvSpPr>
+            <a:spLocks noGrp="1"/>
+          </p:cNvSpPr>
+          <p:nvPr>
+            <p:ph type="ftr" sz="quarter" idx="11"/>
+          </p:nvPr>
+        </p:nvSpPr>
+        <p:spPr/>
+        <p:txBody>
+          <a:bodyPr/>
+          <a:lstStyle/>
+          <a:p>
+            <a:r>
+              <a:rPr lang="en-GB"/>
+              <a:t>Victor Wolf - MatNr 845615</a:t>
+            </a:r>
+          </a:p>
+        </p:txBody>
+      </p:sp>
+      <p:sp>
+        <p:nvSpPr>
+          <p:cNvPr id="8" name="Foliennummernplatzhalter 7">
+            <a:extLst>
+              <a:ext uri="{FF2B5EF4-FFF2-40B4-BE49-F238E27FC236}">
+                <a16:creationId xmlns:a16="http://schemas.microsoft.com/office/drawing/2014/main" id="{077141E4-B807-4AF4-920B-D2EDB4DEB290}"/>
+              </a:ext>
+            </a:extLst>
+          </p:cNvPr>
+          <p:cNvSpPr>
+            <a:spLocks noGrp="1"/>
+          </p:cNvSpPr>
+          <p:nvPr>
+            <p:ph type="sldNum" sz="quarter" idx="12"/>
+          </p:nvPr>
+        </p:nvSpPr>
+        <p:spPr/>
+        <p:txBody>
+          <a:bodyPr/>
+          <a:lstStyle/>
+          <a:p>
+            <a:fld id="{11BA1389-55AA-48E4-BB51-AE5D4C2954F7}" type="slidenum">
+              <a:rPr lang="en-GB" smtClean="0"/>
+              <a:t>9</a:t>
+            </a:fld>
+            <a:endParaRPr lang="en-GB"/>
           </a:p>
         </p:txBody>
       </p:sp>
